--- a/Diagnostics/local/paper_figures/2D_strucuture.pptx
+++ b/Diagnostics/local/paper_figures/2D_strucuture.pptx
@@ -260,7 +260,7 @@
           <a:p>
             <a:fld id="{F503AB62-FCEC-9B44-8CE4-D8E458DE6EEF}" type="datetimeFigureOut">
               <a:rPr lang="en-US" smtClean="0"/>
-              <a:t>12/13/22</a:t>
+              <a:t>1/30/23</a:t>
             </a:fld>
             <a:endParaRPr lang="en-US"/>
           </a:p>
@@ -458,7 +458,7 @@
           <a:p>
             <a:fld id="{F503AB62-FCEC-9B44-8CE4-D8E458DE6EEF}" type="datetimeFigureOut">
               <a:rPr lang="en-US" smtClean="0"/>
-              <a:t>12/13/22</a:t>
+              <a:t>1/30/23</a:t>
             </a:fld>
             <a:endParaRPr lang="en-US"/>
           </a:p>
@@ -666,7 +666,7 @@
           <a:p>
             <a:fld id="{F503AB62-FCEC-9B44-8CE4-D8E458DE6EEF}" type="datetimeFigureOut">
               <a:rPr lang="en-US" smtClean="0"/>
-              <a:t>12/13/22</a:t>
+              <a:t>1/30/23</a:t>
             </a:fld>
             <a:endParaRPr lang="en-US"/>
           </a:p>
@@ -864,7 +864,7 @@
           <a:p>
             <a:fld id="{F503AB62-FCEC-9B44-8CE4-D8E458DE6EEF}" type="datetimeFigureOut">
               <a:rPr lang="en-US" smtClean="0"/>
-              <a:t>12/13/22</a:t>
+              <a:t>1/30/23</a:t>
             </a:fld>
             <a:endParaRPr lang="en-US"/>
           </a:p>
@@ -1139,7 +1139,7 @@
           <a:p>
             <a:fld id="{F503AB62-FCEC-9B44-8CE4-D8E458DE6EEF}" type="datetimeFigureOut">
               <a:rPr lang="en-US" smtClean="0"/>
-              <a:t>12/13/22</a:t>
+              <a:t>1/30/23</a:t>
             </a:fld>
             <a:endParaRPr lang="en-US"/>
           </a:p>
@@ -1404,7 +1404,7 @@
           <a:p>
             <a:fld id="{F503AB62-FCEC-9B44-8CE4-D8E458DE6EEF}" type="datetimeFigureOut">
               <a:rPr lang="en-US" smtClean="0"/>
-              <a:t>12/13/22</a:t>
+              <a:t>1/30/23</a:t>
             </a:fld>
             <a:endParaRPr lang="en-US"/>
           </a:p>
@@ -1816,7 +1816,7 @@
           <a:p>
             <a:fld id="{F503AB62-FCEC-9B44-8CE4-D8E458DE6EEF}" type="datetimeFigureOut">
               <a:rPr lang="en-US" smtClean="0"/>
-              <a:t>12/13/22</a:t>
+              <a:t>1/30/23</a:t>
             </a:fld>
             <a:endParaRPr lang="en-US"/>
           </a:p>
@@ -1957,7 +1957,7 @@
           <a:p>
             <a:fld id="{F503AB62-FCEC-9B44-8CE4-D8E458DE6EEF}" type="datetimeFigureOut">
               <a:rPr lang="en-US" smtClean="0"/>
-              <a:t>12/13/22</a:t>
+              <a:t>1/30/23</a:t>
             </a:fld>
             <a:endParaRPr lang="en-US"/>
           </a:p>
@@ -2070,7 +2070,7 @@
           <a:p>
             <a:fld id="{F503AB62-FCEC-9B44-8CE4-D8E458DE6EEF}" type="datetimeFigureOut">
               <a:rPr lang="en-US" smtClean="0"/>
-              <a:t>12/13/22</a:t>
+              <a:t>1/30/23</a:t>
             </a:fld>
             <a:endParaRPr lang="en-US"/>
           </a:p>
@@ -2381,7 +2381,7 @@
           <a:p>
             <a:fld id="{F503AB62-FCEC-9B44-8CE4-D8E458DE6EEF}" type="datetimeFigureOut">
               <a:rPr lang="en-US" smtClean="0"/>
-              <a:t>12/13/22</a:t>
+              <a:t>1/30/23</a:t>
             </a:fld>
             <a:endParaRPr lang="en-US"/>
           </a:p>
@@ -2669,7 +2669,7 @@
           <a:p>
             <a:fld id="{F503AB62-FCEC-9B44-8CE4-D8E458DE6EEF}" type="datetimeFigureOut">
               <a:rPr lang="en-US" smtClean="0"/>
-              <a:t>12/13/22</a:t>
+              <a:t>1/30/23</a:t>
             </a:fld>
             <a:endParaRPr lang="en-US"/>
           </a:p>
@@ -2910,7 +2910,7 @@
           <a:p>
             <a:fld id="{F503AB62-FCEC-9B44-8CE4-D8E458DE6EEF}" type="datetimeFigureOut">
               <a:rPr lang="en-US" smtClean="0"/>
-              <a:t>12/13/22</a:t>
+              <a:t>1/30/23</a:t>
             </a:fld>
             <a:endParaRPr lang="en-US"/>
           </a:p>
@@ -3329,10 +3329,10 @@
       </p:grpSpPr>
       <p:pic>
         <p:nvPicPr>
-          <p:cNvPr id="4" name="Picture 3" descr="A picture containing chart&#10;&#10;Description automatically generated">
-            <a:extLst>
-              <a:ext uri="{FF2B5EF4-FFF2-40B4-BE49-F238E27FC236}">
-                <a16:creationId xmlns:a16="http://schemas.microsoft.com/office/drawing/2014/main" id="{942DEB05-E012-4739-4A68-549BCAAD029E}"/>
+          <p:cNvPr id="11" name="Picture 10" descr="Chart&#10;&#10;Description automatically generated">
+            <a:extLst>
+              <a:ext uri="{FF2B5EF4-FFF2-40B4-BE49-F238E27FC236}">
+                <a16:creationId xmlns:a16="http://schemas.microsoft.com/office/drawing/2014/main" id="{DD18606D-F36E-4F7B-192B-5BB7C7CB9303}"/>
               </a:ext>
             </a:extLst>
           </p:cNvPr>
@@ -3343,36 +3343,6 @@
         </p:nvPicPr>
         <p:blipFill>
           <a:blip r:embed="rId2"/>
-          <a:stretch>
-            <a:fillRect/>
-          </a:stretch>
-        </p:blipFill>
-        <p:spPr>
-          <a:xfrm>
-            <a:off x="9308365" y="347472"/>
-            <a:ext cx="2617087" cy="2194560"/>
-          </a:xfrm>
-          <a:prstGeom prst="rect">
-            <a:avLst/>
-          </a:prstGeom>
-        </p:spPr>
-      </p:pic>
-      <p:pic>
-        <p:nvPicPr>
-          <p:cNvPr id="11" name="Picture 10" descr="Chart&#10;&#10;Description automatically generated">
-            <a:extLst>
-              <a:ext uri="{FF2B5EF4-FFF2-40B4-BE49-F238E27FC236}">
-                <a16:creationId xmlns:a16="http://schemas.microsoft.com/office/drawing/2014/main" id="{DD18606D-F36E-4F7B-192B-5BB7C7CB9303}"/>
-              </a:ext>
-            </a:extLst>
-          </p:cNvPr>
-          <p:cNvPicPr>
-            <a:picLocks noChangeAspect="1"/>
-          </p:cNvPicPr>
-          <p:nvPr/>
-        </p:nvPicPr>
-        <p:blipFill>
-          <a:blip r:embed="rId3"/>
           <a:stretch>
             <a:fillRect/>
           </a:stretch>
@@ -3402,7 +3372,7 @@
           <p:nvPr/>
         </p:nvPicPr>
         <p:blipFill>
-          <a:blip r:embed="rId4"/>
+          <a:blip r:embed="rId3"/>
           <a:stretch>
             <a:fillRect/>
           </a:stretch>
@@ -3432,7 +3402,7 @@
           <p:nvPr/>
         </p:nvPicPr>
         <p:blipFill>
-          <a:blip r:embed="rId5"/>
+          <a:blip r:embed="rId4"/>
           <a:stretch>
             <a:fillRect/>
           </a:stretch>
@@ -3441,66 +3411,6 @@
           <a:xfrm>
             <a:off x="6727331" y="347472"/>
             <a:ext cx="2414447" cy="2194560"/>
-          </a:xfrm>
-          <a:prstGeom prst="rect">
-            <a:avLst/>
-          </a:prstGeom>
-        </p:spPr>
-      </p:pic>
-      <p:pic>
-        <p:nvPicPr>
-          <p:cNvPr id="14" name="Picture 13" descr="A picture containing background pattern&#10;&#10;Description automatically generated">
-            <a:extLst>
-              <a:ext uri="{FF2B5EF4-FFF2-40B4-BE49-F238E27FC236}">
-                <a16:creationId xmlns:a16="http://schemas.microsoft.com/office/drawing/2014/main" id="{EEE92639-3242-0C57-8ED6-5718E9B1CBC7}"/>
-              </a:ext>
-            </a:extLst>
-          </p:cNvPr>
-          <p:cNvPicPr>
-            <a:picLocks noChangeAspect="1"/>
-          </p:cNvPicPr>
-          <p:nvPr/>
-        </p:nvPicPr>
-        <p:blipFill>
-          <a:blip r:embed="rId6"/>
-          <a:stretch>
-            <a:fillRect/>
-          </a:stretch>
-        </p:blipFill>
-        <p:spPr>
-          <a:xfrm>
-            <a:off x="9314287" y="2514600"/>
-            <a:ext cx="2617087" cy="2194560"/>
-          </a:xfrm>
-          <a:prstGeom prst="rect">
-            <a:avLst/>
-          </a:prstGeom>
-        </p:spPr>
-      </p:pic>
-      <p:pic>
-        <p:nvPicPr>
-          <p:cNvPr id="15" name="Picture 14" descr="Background pattern&#10;&#10;Description automatically generated">
-            <a:extLst>
-              <a:ext uri="{FF2B5EF4-FFF2-40B4-BE49-F238E27FC236}">
-                <a16:creationId xmlns:a16="http://schemas.microsoft.com/office/drawing/2014/main" id="{A928E9E7-CA35-8108-29DB-622258441D5D}"/>
-              </a:ext>
-            </a:extLst>
-          </p:cNvPr>
-          <p:cNvPicPr>
-            <a:picLocks noChangeAspect="1"/>
-          </p:cNvPicPr>
-          <p:nvPr/>
-        </p:nvPicPr>
-        <p:blipFill>
-          <a:blip r:embed="rId7"/>
-          <a:stretch>
-            <a:fillRect/>
-          </a:stretch>
-        </p:blipFill>
-        <p:spPr>
-          <a:xfrm>
-            <a:off x="9305921" y="4681728"/>
-            <a:ext cx="2617087" cy="2194560"/>
           </a:xfrm>
           <a:prstGeom prst="rect">
             <a:avLst/>
@@ -3908,7 +3818,7 @@
                 <a:avLst/>
               </a:prstGeom>
               <a:blipFill>
-                <a:blip r:embed="rId8"/>
+                <a:blip r:embed="rId5"/>
                 <a:stretch>
                   <a:fillRect b="-8108"/>
                 </a:stretch>
@@ -3929,8 +3839,8 @@
           </p:sp>
         </mc:Fallback>
       </mc:AlternateContent>
-      <mc:AlternateContent xmlns:mc="http://schemas.openxmlformats.org/markup-compatibility/2006">
-        <mc:Choice xmlns:a14="http://schemas.microsoft.com/office/drawing/2010/main" Requires="a14">
+      <mc:AlternateContent xmlns:mc="http://schemas.openxmlformats.org/markup-compatibility/2006" xmlns:a14="http://schemas.microsoft.com/office/drawing/2010/main">
+        <mc:Choice Requires="a14">
           <p:sp>
             <p:nvSpPr>
               <p:cNvPr id="17" name="TextBox 16">
@@ -4033,7 +3943,7 @@
             </p:txBody>
           </p:sp>
         </mc:Choice>
-        <mc:Fallback>
+        <mc:Fallback xmlns="">
           <p:sp>
             <p:nvSpPr>
               <p:cNvPr id="17" name="TextBox 16">
@@ -4078,8 +3988,8 @@
           </p:sp>
         </mc:Fallback>
       </mc:AlternateContent>
-      <mc:AlternateContent xmlns:mc="http://schemas.openxmlformats.org/markup-compatibility/2006">
-        <mc:Choice xmlns:a14="http://schemas.microsoft.com/office/drawing/2010/main" Requires="a14">
+      <mc:AlternateContent xmlns:mc="http://schemas.openxmlformats.org/markup-compatibility/2006" xmlns:a14="http://schemas.microsoft.com/office/drawing/2010/main">
+        <mc:Choice Requires="a14">
           <p:sp>
             <p:nvSpPr>
               <p:cNvPr id="18" name="TextBox 17">
@@ -4182,7 +4092,7 @@
             </p:txBody>
           </p:sp>
         </mc:Choice>
-        <mc:Fallback>
+        <mc:Fallback xmlns="">
           <p:sp>
             <p:nvSpPr>
               <p:cNvPr id="18" name="TextBox 17">
@@ -4227,8 +4137,8 @@
           </p:sp>
         </mc:Fallback>
       </mc:AlternateContent>
-      <mc:AlternateContent xmlns:mc="http://schemas.openxmlformats.org/markup-compatibility/2006">
-        <mc:Choice xmlns:a14="http://schemas.microsoft.com/office/drawing/2010/main" Requires="a14">
+      <mc:AlternateContent xmlns:mc="http://schemas.openxmlformats.org/markup-compatibility/2006" xmlns:a14="http://schemas.microsoft.com/office/drawing/2010/main">
+        <mc:Choice Requires="a14">
           <p:sp>
             <p:nvSpPr>
               <p:cNvPr id="19" name="TextBox 18">
@@ -4331,7 +4241,7 @@
             </p:txBody>
           </p:sp>
         </mc:Choice>
-        <mc:Fallback>
+        <mc:Fallback xmlns="">
           <p:sp>
             <p:nvSpPr>
               <p:cNvPr id="19" name="TextBox 18">
@@ -4556,6 +4466,96 @@
           </a:prstGeom>
         </p:spPr>
       </p:pic>
+      <p:pic>
+        <p:nvPicPr>
+          <p:cNvPr id="3" name="Picture 2" descr="A picture containing chart&#10;&#10;Description automatically generated">
+            <a:extLst>
+              <a:ext uri="{FF2B5EF4-FFF2-40B4-BE49-F238E27FC236}">
+                <a16:creationId xmlns:a16="http://schemas.microsoft.com/office/drawing/2014/main" id="{FD280AB8-E978-5F4F-8ECC-F19CAB499FD8}"/>
+              </a:ext>
+            </a:extLst>
+          </p:cNvPr>
+          <p:cNvPicPr>
+            <a:picLocks noChangeAspect="1"/>
+          </p:cNvPicPr>
+          <p:nvPr/>
+        </p:nvPicPr>
+        <p:blipFill>
+          <a:blip r:embed="rId18"/>
+          <a:stretch>
+            <a:fillRect/>
+          </a:stretch>
+        </p:blipFill>
+        <p:spPr>
+          <a:xfrm>
+            <a:off x="9141465" y="374904"/>
+            <a:ext cx="3019005" cy="2113719"/>
+          </a:xfrm>
+          <a:prstGeom prst="rect">
+            <a:avLst/>
+          </a:prstGeom>
+        </p:spPr>
+      </p:pic>
+      <p:pic>
+        <p:nvPicPr>
+          <p:cNvPr id="6" name="Picture 5" descr="A picture containing background pattern&#10;&#10;Description automatically generated">
+            <a:extLst>
+              <a:ext uri="{FF2B5EF4-FFF2-40B4-BE49-F238E27FC236}">
+                <a16:creationId xmlns:a16="http://schemas.microsoft.com/office/drawing/2014/main" id="{8D991A84-BD1B-D0CD-ACD4-426A65D5D2DB}"/>
+              </a:ext>
+            </a:extLst>
+          </p:cNvPr>
+          <p:cNvPicPr>
+            <a:picLocks noChangeAspect="1"/>
+          </p:cNvPicPr>
+          <p:nvPr/>
+        </p:nvPicPr>
+        <p:blipFill>
+          <a:blip r:embed="rId19"/>
+          <a:stretch>
+            <a:fillRect/>
+          </a:stretch>
+        </p:blipFill>
+        <p:spPr>
+          <a:xfrm>
+            <a:off x="9133853" y="2542032"/>
+            <a:ext cx="3019006" cy="2113719"/>
+          </a:xfrm>
+          <a:prstGeom prst="rect">
+            <a:avLst/>
+          </a:prstGeom>
+        </p:spPr>
+      </p:pic>
+      <p:pic>
+        <p:nvPicPr>
+          <p:cNvPr id="8" name="Picture 7" descr="Background pattern&#10;&#10;Description automatically generated with medium confidence">
+            <a:extLst>
+              <a:ext uri="{FF2B5EF4-FFF2-40B4-BE49-F238E27FC236}">
+                <a16:creationId xmlns:a16="http://schemas.microsoft.com/office/drawing/2014/main" id="{EA0AE007-5439-3CD2-2934-3D1B1BA40EEA}"/>
+              </a:ext>
+            </a:extLst>
+          </p:cNvPr>
+          <p:cNvPicPr>
+            <a:picLocks noChangeAspect="1"/>
+          </p:cNvPicPr>
+          <p:nvPr/>
+        </p:nvPicPr>
+        <p:blipFill>
+          <a:blip r:embed="rId20"/>
+          <a:stretch>
+            <a:fillRect/>
+          </a:stretch>
+        </p:blipFill>
+        <p:spPr>
+          <a:xfrm>
+            <a:off x="9148609" y="4655751"/>
+            <a:ext cx="2996524" cy="2139174"/>
+          </a:xfrm>
+          <a:prstGeom prst="rect">
+            <a:avLst/>
+          </a:prstGeom>
+        </p:spPr>
+      </p:pic>
     </p:spTree>
     <p:extLst>
       <p:ext uri="{BB962C8B-B14F-4D97-AF65-F5344CB8AC3E}">
@@ -4946,8 +4946,8 @@
           </a:prstGeom>
         </p:spPr>
       </p:pic>
-      <mc:AlternateContent xmlns:mc="http://schemas.openxmlformats.org/markup-compatibility/2006">
-        <mc:Choice xmlns:a14="http://schemas.microsoft.com/office/drawing/2010/main" Requires="a14">
+      <mc:AlternateContent xmlns:mc="http://schemas.openxmlformats.org/markup-compatibility/2006" xmlns:a14="http://schemas.microsoft.com/office/drawing/2010/main">
+        <mc:Choice Requires="a14">
           <p:sp>
             <p:nvSpPr>
               <p:cNvPr id="29" name="TextBox 28">
@@ -5323,7 +5323,7 @@
             </p:txBody>
           </p:sp>
         </mc:Choice>
-        <mc:Fallback>
+        <mc:Fallback xmlns="">
           <p:sp>
             <p:nvSpPr>
               <p:cNvPr id="29" name="TextBox 28">

--- a/Diagnostics/local/paper_figures/2D_strucuture.pptx
+++ b/Diagnostics/local/paper_figures/2D_strucuture.pptx
@@ -260,7 +260,7 @@
           <a:p>
             <a:fld id="{F503AB62-FCEC-9B44-8CE4-D8E458DE6EEF}" type="datetimeFigureOut">
               <a:rPr lang="en-US" smtClean="0"/>
-              <a:t>1/30/23</a:t>
+              <a:t>1/30/2023</a:t>
             </a:fld>
             <a:endParaRPr lang="en-US"/>
           </a:p>
@@ -458,7 +458,7 @@
           <a:p>
             <a:fld id="{F503AB62-FCEC-9B44-8CE4-D8E458DE6EEF}" type="datetimeFigureOut">
               <a:rPr lang="en-US" smtClean="0"/>
-              <a:t>1/30/23</a:t>
+              <a:t>1/30/2023</a:t>
             </a:fld>
             <a:endParaRPr lang="en-US"/>
           </a:p>
@@ -666,7 +666,7 @@
           <a:p>
             <a:fld id="{F503AB62-FCEC-9B44-8CE4-D8E458DE6EEF}" type="datetimeFigureOut">
               <a:rPr lang="en-US" smtClean="0"/>
-              <a:t>1/30/23</a:t>
+              <a:t>1/30/2023</a:t>
             </a:fld>
             <a:endParaRPr lang="en-US"/>
           </a:p>
@@ -864,7 +864,7 @@
           <a:p>
             <a:fld id="{F503AB62-FCEC-9B44-8CE4-D8E458DE6EEF}" type="datetimeFigureOut">
               <a:rPr lang="en-US" smtClean="0"/>
-              <a:t>1/30/23</a:t>
+              <a:t>1/30/2023</a:t>
             </a:fld>
             <a:endParaRPr lang="en-US"/>
           </a:p>
@@ -1139,7 +1139,7 @@
           <a:p>
             <a:fld id="{F503AB62-FCEC-9B44-8CE4-D8E458DE6EEF}" type="datetimeFigureOut">
               <a:rPr lang="en-US" smtClean="0"/>
-              <a:t>1/30/23</a:t>
+              <a:t>1/30/2023</a:t>
             </a:fld>
             <a:endParaRPr lang="en-US"/>
           </a:p>
@@ -1404,7 +1404,7 @@
           <a:p>
             <a:fld id="{F503AB62-FCEC-9B44-8CE4-D8E458DE6EEF}" type="datetimeFigureOut">
               <a:rPr lang="en-US" smtClean="0"/>
-              <a:t>1/30/23</a:t>
+              <a:t>1/30/2023</a:t>
             </a:fld>
             <a:endParaRPr lang="en-US"/>
           </a:p>
@@ -1816,7 +1816,7 @@
           <a:p>
             <a:fld id="{F503AB62-FCEC-9B44-8CE4-D8E458DE6EEF}" type="datetimeFigureOut">
               <a:rPr lang="en-US" smtClean="0"/>
-              <a:t>1/30/23</a:t>
+              <a:t>1/30/2023</a:t>
             </a:fld>
             <a:endParaRPr lang="en-US"/>
           </a:p>
@@ -1957,7 +1957,7 @@
           <a:p>
             <a:fld id="{F503AB62-FCEC-9B44-8CE4-D8E458DE6EEF}" type="datetimeFigureOut">
               <a:rPr lang="en-US" smtClean="0"/>
-              <a:t>1/30/23</a:t>
+              <a:t>1/30/2023</a:t>
             </a:fld>
             <a:endParaRPr lang="en-US"/>
           </a:p>
@@ -2070,7 +2070,7 @@
           <a:p>
             <a:fld id="{F503AB62-FCEC-9B44-8CE4-D8E458DE6EEF}" type="datetimeFigureOut">
               <a:rPr lang="en-US" smtClean="0"/>
-              <a:t>1/30/23</a:t>
+              <a:t>1/30/2023</a:t>
             </a:fld>
             <a:endParaRPr lang="en-US"/>
           </a:p>
@@ -2381,7 +2381,7 @@
           <a:p>
             <a:fld id="{F503AB62-FCEC-9B44-8CE4-D8E458DE6EEF}" type="datetimeFigureOut">
               <a:rPr lang="en-US" smtClean="0"/>
-              <a:t>1/30/23</a:t>
+              <a:t>1/30/2023</a:t>
             </a:fld>
             <a:endParaRPr lang="en-US"/>
           </a:p>
@@ -2669,7 +2669,7 @@
           <a:p>
             <a:fld id="{F503AB62-FCEC-9B44-8CE4-D8E458DE6EEF}" type="datetimeFigureOut">
               <a:rPr lang="en-US" smtClean="0"/>
-              <a:t>1/30/23</a:t>
+              <a:t>1/30/2023</a:t>
             </a:fld>
             <a:endParaRPr lang="en-US"/>
           </a:p>
@@ -2910,7 +2910,7 @@
           <a:p>
             <a:fld id="{F503AB62-FCEC-9B44-8CE4-D8E458DE6EEF}" type="datetimeFigureOut">
               <a:rPr lang="en-US" smtClean="0"/>
-              <a:t>1/30/23</a:t>
+              <a:t>1/30/2023</a:t>
             </a:fld>
             <a:endParaRPr lang="en-US"/>
           </a:p>
@@ -3735,7 +3735,7 @@
                     <a:latin typeface="Times New Roman" panose="02020603050405020304" pitchFamily="18" charset="0"/>
                     <a:cs typeface="Times New Roman" panose="02020603050405020304" pitchFamily="18" charset="0"/>
                   </a:rPr>
-                  <a:t>                             </a:t>
+                  <a:t>                        </a:t>
                 </a:r>
                 <a14:m>
                   <m:oMath xmlns:m="http://schemas.openxmlformats.org/officeDocument/2006/math">

--- a/Diagnostics/local/paper_figures/2D_strucuture.pptx
+++ b/Diagnostics/local/paper_figures/2D_strucuture.pptx
@@ -2,11 +2,12 @@
 <file path=ppt/presentation.xml><?xml version="1.0" encoding="utf-8"?>
 <p:presentation xmlns:a="http://schemas.openxmlformats.org/drawingml/2006/main" xmlns:r="http://schemas.openxmlformats.org/officeDocument/2006/relationships" xmlns:p="http://schemas.openxmlformats.org/presentationml/2006/main" saveSubsetFonts="1" autoCompressPictures="0">
   <p:sldMasterIdLst>
-    <p:sldMasterId id="2147483648" r:id="rId1"/>
+    <p:sldMasterId id="2147483696" r:id="rId1"/>
   </p:sldMasterIdLst>
   <p:sldIdLst>
     <p:sldId id="257" r:id="rId2"/>
-    <p:sldId id="256" r:id="rId3"/>
+    <p:sldId id="258" r:id="rId3"/>
+    <p:sldId id="256" r:id="rId4"/>
   </p:sldIdLst>
   <p:sldSz cx="12192000" cy="6858000"/>
   <p:notesSz cx="6858000" cy="9144000"/>
@@ -14,7 +15,7 @@
     <a:defPPr>
       <a:defRPr lang="en-US"/>
     </a:defPPr>
-    <a:lvl1pPr marL="0" algn="l" defTabSz="914400" rtl="0" eaLnBrk="1" latinLnBrk="0" hangingPunct="1">
+    <a:lvl1pPr marL="0" algn="l" defTabSz="457200" rtl="0" eaLnBrk="1" latinLnBrk="0" hangingPunct="1">
       <a:defRPr sz="1800" kern="1200">
         <a:solidFill>
           <a:schemeClr val="tx1"/>
@@ -24,7 +25,7 @@
         <a:cs typeface="+mn-cs"/>
       </a:defRPr>
     </a:lvl1pPr>
-    <a:lvl2pPr marL="457200" algn="l" defTabSz="914400" rtl="0" eaLnBrk="1" latinLnBrk="0" hangingPunct="1">
+    <a:lvl2pPr marL="457200" algn="l" defTabSz="457200" rtl="0" eaLnBrk="1" latinLnBrk="0" hangingPunct="1">
       <a:defRPr sz="1800" kern="1200">
         <a:solidFill>
           <a:schemeClr val="tx1"/>
@@ -34,7 +35,7 @@
         <a:cs typeface="+mn-cs"/>
       </a:defRPr>
     </a:lvl2pPr>
-    <a:lvl3pPr marL="914400" algn="l" defTabSz="914400" rtl="0" eaLnBrk="1" latinLnBrk="0" hangingPunct="1">
+    <a:lvl3pPr marL="914400" algn="l" defTabSz="457200" rtl="0" eaLnBrk="1" latinLnBrk="0" hangingPunct="1">
       <a:defRPr sz="1800" kern="1200">
         <a:solidFill>
           <a:schemeClr val="tx1"/>
@@ -44,7 +45,7 @@
         <a:cs typeface="+mn-cs"/>
       </a:defRPr>
     </a:lvl3pPr>
-    <a:lvl4pPr marL="1371600" algn="l" defTabSz="914400" rtl="0" eaLnBrk="1" latinLnBrk="0" hangingPunct="1">
+    <a:lvl4pPr marL="1371600" algn="l" defTabSz="457200" rtl="0" eaLnBrk="1" latinLnBrk="0" hangingPunct="1">
       <a:defRPr sz="1800" kern="1200">
         <a:solidFill>
           <a:schemeClr val="tx1"/>
@@ -54,7 +55,7 @@
         <a:cs typeface="+mn-cs"/>
       </a:defRPr>
     </a:lvl4pPr>
-    <a:lvl5pPr marL="1828800" algn="l" defTabSz="914400" rtl="0" eaLnBrk="1" latinLnBrk="0" hangingPunct="1">
+    <a:lvl5pPr marL="1828800" algn="l" defTabSz="457200" rtl="0" eaLnBrk="1" latinLnBrk="0" hangingPunct="1">
       <a:defRPr sz="1800" kern="1200">
         <a:solidFill>
           <a:schemeClr val="tx1"/>
@@ -64,7 +65,7 @@
         <a:cs typeface="+mn-cs"/>
       </a:defRPr>
     </a:lvl5pPr>
-    <a:lvl6pPr marL="2286000" algn="l" defTabSz="914400" rtl="0" eaLnBrk="1" latinLnBrk="0" hangingPunct="1">
+    <a:lvl6pPr marL="2286000" algn="l" defTabSz="457200" rtl="0" eaLnBrk="1" latinLnBrk="0" hangingPunct="1">
       <a:defRPr sz="1800" kern="1200">
         <a:solidFill>
           <a:schemeClr val="tx1"/>
@@ -74,7 +75,7 @@
         <a:cs typeface="+mn-cs"/>
       </a:defRPr>
     </a:lvl6pPr>
-    <a:lvl7pPr marL="2743200" algn="l" defTabSz="914400" rtl="0" eaLnBrk="1" latinLnBrk="0" hangingPunct="1">
+    <a:lvl7pPr marL="2743200" algn="l" defTabSz="457200" rtl="0" eaLnBrk="1" latinLnBrk="0" hangingPunct="1">
       <a:defRPr sz="1800" kern="1200">
         <a:solidFill>
           <a:schemeClr val="tx1"/>
@@ -84,7 +85,7 @@
         <a:cs typeface="+mn-cs"/>
       </a:defRPr>
     </a:lvl7pPr>
-    <a:lvl8pPr marL="3200400" algn="l" defTabSz="914400" rtl="0" eaLnBrk="1" latinLnBrk="0" hangingPunct="1">
+    <a:lvl8pPr marL="3200400" algn="l" defTabSz="457200" rtl="0" eaLnBrk="1" latinLnBrk="0" hangingPunct="1">
       <a:defRPr sz="1800" kern="1200">
         <a:solidFill>
           <a:schemeClr val="tx1"/>
@@ -94,7 +95,7 @@
         <a:cs typeface="+mn-cs"/>
       </a:defRPr>
     </a:lvl8pPr>
-    <a:lvl9pPr marL="3657600" algn="l" defTabSz="914400" rtl="0" eaLnBrk="1" latinLnBrk="0" hangingPunct="1">
+    <a:lvl9pPr marL="3657600" algn="l" defTabSz="457200" rtl="0" eaLnBrk="1" latinLnBrk="0" hangingPunct="1">
       <a:defRPr sz="1800" kern="1200">
         <a:solidFill>
           <a:schemeClr val="tx1"/>
@@ -132,13 +133,7 @@
       </p:grpSpPr>
       <p:sp>
         <p:nvSpPr>
-          <p:cNvPr id="2" name="Title 1">
-            <a:extLst>
-              <a:ext uri="{FF2B5EF4-FFF2-40B4-BE49-F238E27FC236}">
-                <a16:creationId xmlns:a16="http://schemas.microsoft.com/office/drawing/2014/main" id="{88162796-483D-321D-E036-8A2AA2D9FC27}"/>
-              </a:ext>
-            </a:extLst>
-          </p:cNvPr>
+          <p:cNvPr id="2" name="Title 1"/>
           <p:cNvSpPr>
             <a:spLocks noGrp="1"/>
           </p:cNvSpPr>
@@ -164,18 +159,13 @@
               <a:rPr lang="en-US"/>
               <a:t>Click to edit Master title style</a:t>
             </a:r>
+            <a:endParaRPr lang="en-US" dirty="0"/>
           </a:p>
         </p:txBody>
       </p:sp>
       <p:sp>
         <p:nvSpPr>
-          <p:cNvPr id="3" name="Subtitle 2">
-            <a:extLst>
-              <a:ext uri="{FF2B5EF4-FFF2-40B4-BE49-F238E27FC236}">
-                <a16:creationId xmlns:a16="http://schemas.microsoft.com/office/drawing/2014/main" id="{26BD515A-4792-7B7E-9790-7C91B73DBF98}"/>
-              </a:ext>
-            </a:extLst>
-          </p:cNvPr>
+          <p:cNvPr id="3" name="Subtitle 2"/>
           <p:cNvSpPr>
             <a:spLocks noGrp="1"/>
           </p:cNvSpPr>
@@ -234,18 +224,13 @@
               <a:rPr lang="en-US"/>
               <a:t>Click to edit Master subtitle style</a:t>
             </a:r>
+            <a:endParaRPr lang="en-US" dirty="0"/>
           </a:p>
         </p:txBody>
       </p:sp>
       <p:sp>
         <p:nvSpPr>
-          <p:cNvPr id="4" name="Date Placeholder 3">
-            <a:extLst>
-              <a:ext uri="{FF2B5EF4-FFF2-40B4-BE49-F238E27FC236}">
-                <a16:creationId xmlns:a16="http://schemas.microsoft.com/office/drawing/2014/main" id="{0201F38B-50CB-88B6-BEF4-02C305E2F99A}"/>
-              </a:ext>
-            </a:extLst>
-          </p:cNvPr>
+          <p:cNvPr id="4" name="Date Placeholder 3"/>
           <p:cNvSpPr>
             <a:spLocks noGrp="1"/>
           </p:cNvSpPr>
@@ -260,7 +245,7 @@
           <a:p>
             <a:fld id="{F503AB62-FCEC-9B44-8CE4-D8E458DE6EEF}" type="datetimeFigureOut">
               <a:rPr lang="en-US" smtClean="0"/>
-              <a:t>1/30/23</a:t>
+              <a:t>2/2/23</a:t>
             </a:fld>
             <a:endParaRPr lang="en-US"/>
           </a:p>
@@ -268,13 +253,7 @@
       </p:sp>
       <p:sp>
         <p:nvSpPr>
-          <p:cNvPr id="5" name="Footer Placeholder 4">
-            <a:extLst>
-              <a:ext uri="{FF2B5EF4-FFF2-40B4-BE49-F238E27FC236}">
-                <a16:creationId xmlns:a16="http://schemas.microsoft.com/office/drawing/2014/main" id="{E1D13F34-4599-930D-7CC1-A4B9CD0ACA17}"/>
-              </a:ext>
-            </a:extLst>
-          </p:cNvPr>
+          <p:cNvPr id="5" name="Footer Placeholder 4"/>
           <p:cNvSpPr>
             <a:spLocks noGrp="1"/>
           </p:cNvSpPr>
@@ -293,13 +272,7 @@
       </p:sp>
       <p:sp>
         <p:nvSpPr>
-          <p:cNvPr id="6" name="Slide Number Placeholder 5">
-            <a:extLst>
-              <a:ext uri="{FF2B5EF4-FFF2-40B4-BE49-F238E27FC236}">
-                <a16:creationId xmlns:a16="http://schemas.microsoft.com/office/drawing/2014/main" id="{113DF547-6B01-2BEA-F0FC-868615F536ED}"/>
-              </a:ext>
-            </a:extLst>
-          </p:cNvPr>
+          <p:cNvPr id="6" name="Slide Number Placeholder 5"/>
           <p:cNvSpPr>
             <a:spLocks noGrp="1"/>
           </p:cNvSpPr>
@@ -323,7 +296,7 @@
     </p:spTree>
     <p:extLst>
       <p:ext uri="{BB962C8B-B14F-4D97-AF65-F5344CB8AC3E}">
-        <p14:creationId xmlns:p14="http://schemas.microsoft.com/office/powerpoint/2010/main" val="2629095084"/>
+        <p14:creationId xmlns:p14="http://schemas.microsoft.com/office/powerpoint/2010/main" val="4047140844"/>
       </p:ext>
     </p:extLst>
   </p:cSld>
@@ -352,13 +325,7 @@
       </p:grpSpPr>
       <p:sp>
         <p:nvSpPr>
-          <p:cNvPr id="2" name="Title 1">
-            <a:extLst>
-              <a:ext uri="{FF2B5EF4-FFF2-40B4-BE49-F238E27FC236}">
-                <a16:creationId xmlns:a16="http://schemas.microsoft.com/office/drawing/2014/main" id="{B5C92D60-E464-6F8D-FF76-62E27EDE35D5}"/>
-              </a:ext>
-            </a:extLst>
-          </p:cNvPr>
+          <p:cNvPr id="2" name="Title 1"/>
           <p:cNvSpPr>
             <a:spLocks noGrp="1"/>
           </p:cNvSpPr>
@@ -375,18 +342,13 @@
               <a:rPr lang="en-US"/>
               <a:t>Click to edit Master title style</a:t>
             </a:r>
+            <a:endParaRPr lang="en-US" dirty="0"/>
           </a:p>
         </p:txBody>
       </p:sp>
       <p:sp>
         <p:nvSpPr>
-          <p:cNvPr id="3" name="Vertical Text Placeholder 2">
-            <a:extLst>
-              <a:ext uri="{FF2B5EF4-FFF2-40B4-BE49-F238E27FC236}">
-                <a16:creationId xmlns:a16="http://schemas.microsoft.com/office/drawing/2014/main" id="{5E92DE4F-EEAD-23E0-996D-ADE3F60F2932}"/>
-              </a:ext>
-            </a:extLst>
-          </p:cNvPr>
+          <p:cNvPr id="3" name="Vertical Text Placeholder 2"/>
           <p:cNvSpPr>
             <a:spLocks noGrp="1"/>
           </p:cNvSpPr>
@@ -432,18 +394,13 @@
               <a:rPr lang="en-US"/>
               <a:t>Fifth level</a:t>
             </a:r>
+            <a:endParaRPr lang="en-US" dirty="0"/>
           </a:p>
         </p:txBody>
       </p:sp>
       <p:sp>
         <p:nvSpPr>
-          <p:cNvPr id="4" name="Date Placeholder 3">
-            <a:extLst>
-              <a:ext uri="{FF2B5EF4-FFF2-40B4-BE49-F238E27FC236}">
-                <a16:creationId xmlns:a16="http://schemas.microsoft.com/office/drawing/2014/main" id="{B5A8A5E5-A07D-D3CD-786F-A8BA3ED37906}"/>
-              </a:ext>
-            </a:extLst>
-          </p:cNvPr>
+          <p:cNvPr id="4" name="Date Placeholder 3"/>
           <p:cNvSpPr>
             <a:spLocks noGrp="1"/>
           </p:cNvSpPr>
@@ -458,7 +415,7 @@
           <a:p>
             <a:fld id="{F503AB62-FCEC-9B44-8CE4-D8E458DE6EEF}" type="datetimeFigureOut">
               <a:rPr lang="en-US" smtClean="0"/>
-              <a:t>1/30/23</a:t>
+              <a:t>2/2/23</a:t>
             </a:fld>
             <a:endParaRPr lang="en-US"/>
           </a:p>
@@ -466,13 +423,7 @@
       </p:sp>
       <p:sp>
         <p:nvSpPr>
-          <p:cNvPr id="5" name="Footer Placeholder 4">
-            <a:extLst>
-              <a:ext uri="{FF2B5EF4-FFF2-40B4-BE49-F238E27FC236}">
-                <a16:creationId xmlns:a16="http://schemas.microsoft.com/office/drawing/2014/main" id="{0208B5D9-DE3C-D543-B919-89C82AA96DAB}"/>
-              </a:ext>
-            </a:extLst>
-          </p:cNvPr>
+          <p:cNvPr id="5" name="Footer Placeholder 4"/>
           <p:cNvSpPr>
             <a:spLocks noGrp="1"/>
           </p:cNvSpPr>
@@ -491,13 +442,7 @@
       </p:sp>
       <p:sp>
         <p:nvSpPr>
-          <p:cNvPr id="6" name="Slide Number Placeholder 5">
-            <a:extLst>
-              <a:ext uri="{FF2B5EF4-FFF2-40B4-BE49-F238E27FC236}">
-                <a16:creationId xmlns:a16="http://schemas.microsoft.com/office/drawing/2014/main" id="{F9F18DAE-72F6-64B1-E518-74B944D199DF}"/>
-              </a:ext>
-            </a:extLst>
-          </p:cNvPr>
+          <p:cNvPr id="6" name="Slide Number Placeholder 5"/>
           <p:cNvSpPr>
             <a:spLocks noGrp="1"/>
           </p:cNvSpPr>
@@ -521,7 +466,7 @@
     </p:spTree>
     <p:extLst>
       <p:ext uri="{BB962C8B-B14F-4D97-AF65-F5344CB8AC3E}">
-        <p14:creationId xmlns:p14="http://schemas.microsoft.com/office/powerpoint/2010/main" val="1135020410"/>
+        <p14:creationId xmlns:p14="http://schemas.microsoft.com/office/powerpoint/2010/main" val="3977281011"/>
       </p:ext>
     </p:extLst>
   </p:cSld>
@@ -550,13 +495,7 @@
       </p:grpSpPr>
       <p:sp>
         <p:nvSpPr>
-          <p:cNvPr id="2" name="Vertical Title 1">
-            <a:extLst>
-              <a:ext uri="{FF2B5EF4-FFF2-40B4-BE49-F238E27FC236}">
-                <a16:creationId xmlns:a16="http://schemas.microsoft.com/office/drawing/2014/main" id="{5522496A-B185-E153-934A-96506D78872A}"/>
-              </a:ext>
-            </a:extLst>
-          </p:cNvPr>
+          <p:cNvPr id="2" name="Vertical Title 1"/>
           <p:cNvSpPr>
             <a:spLocks noGrp="1"/>
           </p:cNvSpPr>
@@ -578,18 +517,13 @@
               <a:rPr lang="en-US"/>
               <a:t>Click to edit Master title style</a:t>
             </a:r>
+            <a:endParaRPr lang="en-US" dirty="0"/>
           </a:p>
         </p:txBody>
       </p:sp>
       <p:sp>
         <p:nvSpPr>
-          <p:cNvPr id="3" name="Vertical Text Placeholder 2">
-            <a:extLst>
-              <a:ext uri="{FF2B5EF4-FFF2-40B4-BE49-F238E27FC236}">
-                <a16:creationId xmlns:a16="http://schemas.microsoft.com/office/drawing/2014/main" id="{4E5C27FD-3895-9CD1-D4C5-2F35E73C4B91}"/>
-              </a:ext>
-            </a:extLst>
-          </p:cNvPr>
+          <p:cNvPr id="3" name="Vertical Text Placeholder 2"/>
           <p:cNvSpPr>
             <a:spLocks noGrp="1"/>
           </p:cNvSpPr>
@@ -640,18 +574,13 @@
               <a:rPr lang="en-US"/>
               <a:t>Fifth level</a:t>
             </a:r>
+            <a:endParaRPr lang="en-US" dirty="0"/>
           </a:p>
         </p:txBody>
       </p:sp>
       <p:sp>
         <p:nvSpPr>
-          <p:cNvPr id="4" name="Date Placeholder 3">
-            <a:extLst>
-              <a:ext uri="{FF2B5EF4-FFF2-40B4-BE49-F238E27FC236}">
-                <a16:creationId xmlns:a16="http://schemas.microsoft.com/office/drawing/2014/main" id="{2731B832-02BC-8C66-C413-4C5DF5FE90CC}"/>
-              </a:ext>
-            </a:extLst>
-          </p:cNvPr>
+          <p:cNvPr id="4" name="Date Placeholder 3"/>
           <p:cNvSpPr>
             <a:spLocks noGrp="1"/>
           </p:cNvSpPr>
@@ -666,7 +595,7 @@
           <a:p>
             <a:fld id="{F503AB62-FCEC-9B44-8CE4-D8E458DE6EEF}" type="datetimeFigureOut">
               <a:rPr lang="en-US" smtClean="0"/>
-              <a:t>1/30/23</a:t>
+              <a:t>2/2/23</a:t>
             </a:fld>
             <a:endParaRPr lang="en-US"/>
           </a:p>
@@ -674,13 +603,7 @@
       </p:sp>
       <p:sp>
         <p:nvSpPr>
-          <p:cNvPr id="5" name="Footer Placeholder 4">
-            <a:extLst>
-              <a:ext uri="{FF2B5EF4-FFF2-40B4-BE49-F238E27FC236}">
-                <a16:creationId xmlns:a16="http://schemas.microsoft.com/office/drawing/2014/main" id="{54A5DD55-5DBD-062A-2446-D14C1892B4BC}"/>
-              </a:ext>
-            </a:extLst>
-          </p:cNvPr>
+          <p:cNvPr id="5" name="Footer Placeholder 4"/>
           <p:cNvSpPr>
             <a:spLocks noGrp="1"/>
           </p:cNvSpPr>
@@ -699,13 +622,7 @@
       </p:sp>
       <p:sp>
         <p:nvSpPr>
-          <p:cNvPr id="6" name="Slide Number Placeholder 5">
-            <a:extLst>
-              <a:ext uri="{FF2B5EF4-FFF2-40B4-BE49-F238E27FC236}">
-                <a16:creationId xmlns:a16="http://schemas.microsoft.com/office/drawing/2014/main" id="{37518F5F-FF72-6054-D145-4B996202A1F5}"/>
-              </a:ext>
-            </a:extLst>
-          </p:cNvPr>
+          <p:cNvPr id="6" name="Slide Number Placeholder 5"/>
           <p:cNvSpPr>
             <a:spLocks noGrp="1"/>
           </p:cNvSpPr>
@@ -729,7 +646,7 @@
     </p:spTree>
     <p:extLst>
       <p:ext uri="{BB962C8B-B14F-4D97-AF65-F5344CB8AC3E}">
-        <p14:creationId xmlns:p14="http://schemas.microsoft.com/office/powerpoint/2010/main" val="3565275290"/>
+        <p14:creationId xmlns:p14="http://schemas.microsoft.com/office/powerpoint/2010/main" val="3457875243"/>
       </p:ext>
     </p:extLst>
   </p:cSld>
@@ -758,13 +675,7 @@
       </p:grpSpPr>
       <p:sp>
         <p:nvSpPr>
-          <p:cNvPr id="2" name="Title 1">
-            <a:extLst>
-              <a:ext uri="{FF2B5EF4-FFF2-40B4-BE49-F238E27FC236}">
-                <a16:creationId xmlns:a16="http://schemas.microsoft.com/office/drawing/2014/main" id="{E2BB457E-8E59-06A1-53FB-30F44D9CCB72}"/>
-              </a:ext>
-            </a:extLst>
-          </p:cNvPr>
+          <p:cNvPr id="2" name="Title 1"/>
           <p:cNvSpPr>
             <a:spLocks noGrp="1"/>
           </p:cNvSpPr>
@@ -781,18 +692,13 @@
               <a:rPr lang="en-US"/>
               <a:t>Click to edit Master title style</a:t>
             </a:r>
+            <a:endParaRPr lang="en-US" dirty="0"/>
           </a:p>
         </p:txBody>
       </p:sp>
       <p:sp>
         <p:nvSpPr>
-          <p:cNvPr id="3" name="Content Placeholder 2">
-            <a:extLst>
-              <a:ext uri="{FF2B5EF4-FFF2-40B4-BE49-F238E27FC236}">
-                <a16:creationId xmlns:a16="http://schemas.microsoft.com/office/drawing/2014/main" id="{E472E912-895A-A1B8-91F1-BB44D8CAF6D3}"/>
-              </a:ext>
-            </a:extLst>
-          </p:cNvPr>
+          <p:cNvPr id="3" name="Content Placeholder 2"/>
           <p:cNvSpPr>
             <a:spLocks noGrp="1"/>
           </p:cNvSpPr>
@@ -838,18 +744,13 @@
               <a:rPr lang="en-US"/>
               <a:t>Fifth level</a:t>
             </a:r>
+            <a:endParaRPr lang="en-US" dirty="0"/>
           </a:p>
         </p:txBody>
       </p:sp>
       <p:sp>
         <p:nvSpPr>
-          <p:cNvPr id="4" name="Date Placeholder 3">
-            <a:extLst>
-              <a:ext uri="{FF2B5EF4-FFF2-40B4-BE49-F238E27FC236}">
-                <a16:creationId xmlns:a16="http://schemas.microsoft.com/office/drawing/2014/main" id="{E20657A4-6CA4-A8BA-B624-31769FEF00A1}"/>
-              </a:ext>
-            </a:extLst>
-          </p:cNvPr>
+          <p:cNvPr id="4" name="Date Placeholder 3"/>
           <p:cNvSpPr>
             <a:spLocks noGrp="1"/>
           </p:cNvSpPr>
@@ -864,7 +765,7 @@
           <a:p>
             <a:fld id="{F503AB62-FCEC-9B44-8CE4-D8E458DE6EEF}" type="datetimeFigureOut">
               <a:rPr lang="en-US" smtClean="0"/>
-              <a:t>1/30/23</a:t>
+              <a:t>2/2/23</a:t>
             </a:fld>
             <a:endParaRPr lang="en-US"/>
           </a:p>
@@ -872,13 +773,7 @@
       </p:sp>
       <p:sp>
         <p:nvSpPr>
-          <p:cNvPr id="5" name="Footer Placeholder 4">
-            <a:extLst>
-              <a:ext uri="{FF2B5EF4-FFF2-40B4-BE49-F238E27FC236}">
-                <a16:creationId xmlns:a16="http://schemas.microsoft.com/office/drawing/2014/main" id="{4F7F9297-FA79-DD55-1D5E-0A46FAC72382}"/>
-              </a:ext>
-            </a:extLst>
-          </p:cNvPr>
+          <p:cNvPr id="5" name="Footer Placeholder 4"/>
           <p:cNvSpPr>
             <a:spLocks noGrp="1"/>
           </p:cNvSpPr>
@@ -897,13 +792,7 @@
       </p:sp>
       <p:sp>
         <p:nvSpPr>
-          <p:cNvPr id="6" name="Slide Number Placeholder 5">
-            <a:extLst>
-              <a:ext uri="{FF2B5EF4-FFF2-40B4-BE49-F238E27FC236}">
-                <a16:creationId xmlns:a16="http://schemas.microsoft.com/office/drawing/2014/main" id="{10052920-5546-F2CF-0150-90B5340CC87F}"/>
-              </a:ext>
-            </a:extLst>
-          </p:cNvPr>
+          <p:cNvPr id="6" name="Slide Number Placeholder 5"/>
           <p:cNvSpPr>
             <a:spLocks noGrp="1"/>
           </p:cNvSpPr>
@@ -927,7 +816,7 @@
     </p:spTree>
     <p:extLst>
       <p:ext uri="{BB962C8B-B14F-4D97-AF65-F5344CB8AC3E}">
-        <p14:creationId xmlns:p14="http://schemas.microsoft.com/office/powerpoint/2010/main" val="3656550818"/>
+        <p14:creationId xmlns:p14="http://schemas.microsoft.com/office/powerpoint/2010/main" val="2334143713"/>
       </p:ext>
     </p:extLst>
   </p:cSld>
@@ -956,13 +845,7 @@
       </p:grpSpPr>
       <p:sp>
         <p:nvSpPr>
-          <p:cNvPr id="2" name="Title 1">
-            <a:extLst>
-              <a:ext uri="{FF2B5EF4-FFF2-40B4-BE49-F238E27FC236}">
-                <a16:creationId xmlns:a16="http://schemas.microsoft.com/office/drawing/2014/main" id="{CE177582-9925-47AE-7F8D-D34D0E7E0493}"/>
-              </a:ext>
-            </a:extLst>
-          </p:cNvPr>
+          <p:cNvPr id="2" name="Title 1"/>
           <p:cNvSpPr>
             <a:spLocks noGrp="1"/>
           </p:cNvSpPr>
@@ -988,18 +871,13 @@
               <a:rPr lang="en-US"/>
               <a:t>Click to edit Master title style</a:t>
             </a:r>
+            <a:endParaRPr lang="en-US" dirty="0"/>
           </a:p>
         </p:txBody>
       </p:sp>
       <p:sp>
         <p:nvSpPr>
-          <p:cNvPr id="3" name="Text Placeholder 2">
-            <a:extLst>
-              <a:ext uri="{FF2B5EF4-FFF2-40B4-BE49-F238E27FC236}">
-                <a16:creationId xmlns:a16="http://schemas.microsoft.com/office/drawing/2014/main" id="{43A3EAA2-A5CB-B942-0E73-8F1B5E011872}"/>
-              </a:ext>
-            </a:extLst>
-          </p:cNvPr>
+          <p:cNvPr id="3" name="Text Placeholder 2"/>
           <p:cNvSpPr>
             <a:spLocks noGrp="1"/>
           </p:cNvSpPr>
@@ -1118,13 +996,7 @@
       </p:sp>
       <p:sp>
         <p:nvSpPr>
-          <p:cNvPr id="4" name="Date Placeholder 3">
-            <a:extLst>
-              <a:ext uri="{FF2B5EF4-FFF2-40B4-BE49-F238E27FC236}">
-                <a16:creationId xmlns:a16="http://schemas.microsoft.com/office/drawing/2014/main" id="{6CE762E5-CDBB-2981-631A-E9C526764AAA}"/>
-              </a:ext>
-            </a:extLst>
-          </p:cNvPr>
+          <p:cNvPr id="4" name="Date Placeholder 3"/>
           <p:cNvSpPr>
             <a:spLocks noGrp="1"/>
           </p:cNvSpPr>
@@ -1139,7 +1011,7 @@
           <a:p>
             <a:fld id="{F503AB62-FCEC-9B44-8CE4-D8E458DE6EEF}" type="datetimeFigureOut">
               <a:rPr lang="en-US" smtClean="0"/>
-              <a:t>1/30/23</a:t>
+              <a:t>2/2/23</a:t>
             </a:fld>
             <a:endParaRPr lang="en-US"/>
           </a:p>
@@ -1147,13 +1019,7 @@
       </p:sp>
       <p:sp>
         <p:nvSpPr>
-          <p:cNvPr id="5" name="Footer Placeholder 4">
-            <a:extLst>
-              <a:ext uri="{FF2B5EF4-FFF2-40B4-BE49-F238E27FC236}">
-                <a16:creationId xmlns:a16="http://schemas.microsoft.com/office/drawing/2014/main" id="{3945CFA6-859D-C72E-7B1A-77398B22EF44}"/>
-              </a:ext>
-            </a:extLst>
-          </p:cNvPr>
+          <p:cNvPr id="5" name="Footer Placeholder 4"/>
           <p:cNvSpPr>
             <a:spLocks noGrp="1"/>
           </p:cNvSpPr>
@@ -1172,13 +1038,7 @@
       </p:sp>
       <p:sp>
         <p:nvSpPr>
-          <p:cNvPr id="6" name="Slide Number Placeholder 5">
-            <a:extLst>
-              <a:ext uri="{FF2B5EF4-FFF2-40B4-BE49-F238E27FC236}">
-                <a16:creationId xmlns:a16="http://schemas.microsoft.com/office/drawing/2014/main" id="{65B8866C-7543-7579-D06D-870FA0EDA563}"/>
-              </a:ext>
-            </a:extLst>
-          </p:cNvPr>
+          <p:cNvPr id="6" name="Slide Number Placeholder 5"/>
           <p:cNvSpPr>
             <a:spLocks noGrp="1"/>
           </p:cNvSpPr>
@@ -1202,7 +1062,7 @@
     </p:spTree>
     <p:extLst>
       <p:ext uri="{BB962C8B-B14F-4D97-AF65-F5344CB8AC3E}">
-        <p14:creationId xmlns:p14="http://schemas.microsoft.com/office/powerpoint/2010/main" val="932083243"/>
+        <p14:creationId xmlns:p14="http://schemas.microsoft.com/office/powerpoint/2010/main" val="3057131231"/>
       </p:ext>
     </p:extLst>
   </p:cSld>
@@ -1231,13 +1091,7 @@
       </p:grpSpPr>
       <p:sp>
         <p:nvSpPr>
-          <p:cNvPr id="2" name="Title 1">
-            <a:extLst>
-              <a:ext uri="{FF2B5EF4-FFF2-40B4-BE49-F238E27FC236}">
-                <a16:creationId xmlns:a16="http://schemas.microsoft.com/office/drawing/2014/main" id="{ED4E1E2B-F1D0-1CDB-46AF-29047B048383}"/>
-              </a:ext>
-            </a:extLst>
-          </p:cNvPr>
+          <p:cNvPr id="2" name="Title 1"/>
           <p:cNvSpPr>
             <a:spLocks noGrp="1"/>
           </p:cNvSpPr>
@@ -1254,18 +1108,13 @@
               <a:rPr lang="en-US"/>
               <a:t>Click to edit Master title style</a:t>
             </a:r>
+            <a:endParaRPr lang="en-US" dirty="0"/>
           </a:p>
         </p:txBody>
       </p:sp>
       <p:sp>
         <p:nvSpPr>
-          <p:cNvPr id="3" name="Content Placeholder 2">
-            <a:extLst>
-              <a:ext uri="{FF2B5EF4-FFF2-40B4-BE49-F238E27FC236}">
-                <a16:creationId xmlns:a16="http://schemas.microsoft.com/office/drawing/2014/main" id="{B20DBF6F-7E00-EDE1-4C1F-2F51E32691F0}"/>
-              </a:ext>
-            </a:extLst>
-          </p:cNvPr>
+          <p:cNvPr id="3" name="Content Placeholder 2"/>
           <p:cNvSpPr>
             <a:spLocks noGrp="1"/>
           </p:cNvSpPr>
@@ -1316,18 +1165,13 @@
               <a:rPr lang="en-US"/>
               <a:t>Fifth level</a:t>
             </a:r>
+            <a:endParaRPr lang="en-US" dirty="0"/>
           </a:p>
         </p:txBody>
       </p:sp>
       <p:sp>
         <p:nvSpPr>
-          <p:cNvPr id="4" name="Content Placeholder 3">
-            <a:extLst>
-              <a:ext uri="{FF2B5EF4-FFF2-40B4-BE49-F238E27FC236}">
-                <a16:creationId xmlns:a16="http://schemas.microsoft.com/office/drawing/2014/main" id="{370E6B30-F8C1-5C54-F806-71663FD52014}"/>
-              </a:ext>
-            </a:extLst>
-          </p:cNvPr>
+          <p:cNvPr id="4" name="Content Placeholder 3"/>
           <p:cNvSpPr>
             <a:spLocks noGrp="1"/>
           </p:cNvSpPr>
@@ -1378,18 +1222,13 @@
               <a:rPr lang="en-US"/>
               <a:t>Fifth level</a:t>
             </a:r>
+            <a:endParaRPr lang="en-US" dirty="0"/>
           </a:p>
         </p:txBody>
       </p:sp>
       <p:sp>
         <p:nvSpPr>
-          <p:cNvPr id="5" name="Date Placeholder 4">
-            <a:extLst>
-              <a:ext uri="{FF2B5EF4-FFF2-40B4-BE49-F238E27FC236}">
-                <a16:creationId xmlns:a16="http://schemas.microsoft.com/office/drawing/2014/main" id="{6CBF0A5B-B10F-4C77-FDB6-705852466988}"/>
-              </a:ext>
-            </a:extLst>
-          </p:cNvPr>
+          <p:cNvPr id="5" name="Date Placeholder 4"/>
           <p:cNvSpPr>
             <a:spLocks noGrp="1"/>
           </p:cNvSpPr>
@@ -1404,7 +1243,7 @@
           <a:p>
             <a:fld id="{F503AB62-FCEC-9B44-8CE4-D8E458DE6EEF}" type="datetimeFigureOut">
               <a:rPr lang="en-US" smtClean="0"/>
-              <a:t>1/30/23</a:t>
+              <a:t>2/2/23</a:t>
             </a:fld>
             <a:endParaRPr lang="en-US"/>
           </a:p>
@@ -1412,13 +1251,7 @@
       </p:sp>
       <p:sp>
         <p:nvSpPr>
-          <p:cNvPr id="6" name="Footer Placeholder 5">
-            <a:extLst>
-              <a:ext uri="{FF2B5EF4-FFF2-40B4-BE49-F238E27FC236}">
-                <a16:creationId xmlns:a16="http://schemas.microsoft.com/office/drawing/2014/main" id="{A1B313DC-CC52-7720-0DAE-00E3DCBF61C5}"/>
-              </a:ext>
-            </a:extLst>
-          </p:cNvPr>
+          <p:cNvPr id="6" name="Footer Placeholder 5"/>
           <p:cNvSpPr>
             <a:spLocks noGrp="1"/>
           </p:cNvSpPr>
@@ -1437,13 +1270,7 @@
       </p:sp>
       <p:sp>
         <p:nvSpPr>
-          <p:cNvPr id="7" name="Slide Number Placeholder 6">
-            <a:extLst>
-              <a:ext uri="{FF2B5EF4-FFF2-40B4-BE49-F238E27FC236}">
-                <a16:creationId xmlns:a16="http://schemas.microsoft.com/office/drawing/2014/main" id="{36949F7B-BE35-57E6-2BF2-634F327E2D49}"/>
-              </a:ext>
-            </a:extLst>
-          </p:cNvPr>
+          <p:cNvPr id="7" name="Slide Number Placeholder 6"/>
           <p:cNvSpPr>
             <a:spLocks noGrp="1"/>
           </p:cNvSpPr>
@@ -1467,7 +1294,7 @@
     </p:spTree>
     <p:extLst>
       <p:ext uri="{BB962C8B-B14F-4D97-AF65-F5344CB8AC3E}">
-        <p14:creationId xmlns:p14="http://schemas.microsoft.com/office/powerpoint/2010/main" val="608125428"/>
+        <p14:creationId xmlns:p14="http://schemas.microsoft.com/office/powerpoint/2010/main" val="740026563"/>
       </p:ext>
     </p:extLst>
   </p:cSld>
@@ -1496,13 +1323,7 @@
       </p:grpSpPr>
       <p:sp>
         <p:nvSpPr>
-          <p:cNvPr id="2" name="Title 1">
-            <a:extLst>
-              <a:ext uri="{FF2B5EF4-FFF2-40B4-BE49-F238E27FC236}">
-                <a16:creationId xmlns:a16="http://schemas.microsoft.com/office/drawing/2014/main" id="{8526BED1-0BB5-47C8-D4D4-8A4305EA4567}"/>
-              </a:ext>
-            </a:extLst>
-          </p:cNvPr>
+          <p:cNvPr id="2" name="Title 1"/>
           <p:cNvSpPr>
             <a:spLocks noGrp="1"/>
           </p:cNvSpPr>
@@ -1524,18 +1345,13 @@
               <a:rPr lang="en-US"/>
               <a:t>Click to edit Master title style</a:t>
             </a:r>
+            <a:endParaRPr lang="en-US" dirty="0"/>
           </a:p>
         </p:txBody>
       </p:sp>
       <p:sp>
         <p:nvSpPr>
-          <p:cNvPr id="3" name="Text Placeholder 2">
-            <a:extLst>
-              <a:ext uri="{FF2B5EF4-FFF2-40B4-BE49-F238E27FC236}">
-                <a16:creationId xmlns:a16="http://schemas.microsoft.com/office/drawing/2014/main" id="{CBF0D6CC-7E7E-9ADD-850B-4F4926075AC2}"/>
-              </a:ext>
-            </a:extLst>
-          </p:cNvPr>
+          <p:cNvPr id="3" name="Text Placeholder 2"/>
           <p:cNvSpPr>
             <a:spLocks noGrp="1"/>
           </p:cNvSpPr>
@@ -1600,13 +1416,7 @@
       </p:sp>
       <p:sp>
         <p:nvSpPr>
-          <p:cNvPr id="4" name="Content Placeholder 3">
-            <a:extLst>
-              <a:ext uri="{FF2B5EF4-FFF2-40B4-BE49-F238E27FC236}">
-                <a16:creationId xmlns:a16="http://schemas.microsoft.com/office/drawing/2014/main" id="{ED2B6637-70E0-CC0B-DEF2-2936BD5E3976}"/>
-              </a:ext>
-            </a:extLst>
-          </p:cNvPr>
+          <p:cNvPr id="4" name="Content Placeholder 3"/>
           <p:cNvSpPr>
             <a:spLocks noGrp="1"/>
           </p:cNvSpPr>
@@ -1657,18 +1467,13 @@
               <a:rPr lang="en-US"/>
               <a:t>Fifth level</a:t>
             </a:r>
+            <a:endParaRPr lang="en-US" dirty="0"/>
           </a:p>
         </p:txBody>
       </p:sp>
       <p:sp>
         <p:nvSpPr>
-          <p:cNvPr id="5" name="Text Placeholder 4">
-            <a:extLst>
-              <a:ext uri="{FF2B5EF4-FFF2-40B4-BE49-F238E27FC236}">
-                <a16:creationId xmlns:a16="http://schemas.microsoft.com/office/drawing/2014/main" id="{0889E244-029A-D67C-EA87-48206032DCA9}"/>
-              </a:ext>
-            </a:extLst>
-          </p:cNvPr>
+          <p:cNvPr id="5" name="Text Placeholder 4"/>
           <p:cNvSpPr>
             <a:spLocks noGrp="1"/>
           </p:cNvSpPr>
@@ -1733,13 +1538,7 @@
       </p:sp>
       <p:sp>
         <p:nvSpPr>
-          <p:cNvPr id="6" name="Content Placeholder 5">
-            <a:extLst>
-              <a:ext uri="{FF2B5EF4-FFF2-40B4-BE49-F238E27FC236}">
-                <a16:creationId xmlns:a16="http://schemas.microsoft.com/office/drawing/2014/main" id="{79BE0A45-E34F-B9E7-F916-FC4FE0034CFB}"/>
-              </a:ext>
-            </a:extLst>
-          </p:cNvPr>
+          <p:cNvPr id="6" name="Content Placeholder 5"/>
           <p:cNvSpPr>
             <a:spLocks noGrp="1"/>
           </p:cNvSpPr>
@@ -1790,18 +1589,13 @@
               <a:rPr lang="en-US"/>
               <a:t>Fifth level</a:t>
             </a:r>
+            <a:endParaRPr lang="en-US" dirty="0"/>
           </a:p>
         </p:txBody>
       </p:sp>
       <p:sp>
         <p:nvSpPr>
-          <p:cNvPr id="7" name="Date Placeholder 6">
-            <a:extLst>
-              <a:ext uri="{FF2B5EF4-FFF2-40B4-BE49-F238E27FC236}">
-                <a16:creationId xmlns:a16="http://schemas.microsoft.com/office/drawing/2014/main" id="{7554FE25-9626-2DE1-7D23-0C8B1998EB10}"/>
-              </a:ext>
-            </a:extLst>
-          </p:cNvPr>
+          <p:cNvPr id="7" name="Date Placeholder 6"/>
           <p:cNvSpPr>
             <a:spLocks noGrp="1"/>
           </p:cNvSpPr>
@@ -1816,7 +1610,7 @@
           <a:p>
             <a:fld id="{F503AB62-FCEC-9B44-8CE4-D8E458DE6EEF}" type="datetimeFigureOut">
               <a:rPr lang="en-US" smtClean="0"/>
-              <a:t>1/30/23</a:t>
+              <a:t>2/2/23</a:t>
             </a:fld>
             <a:endParaRPr lang="en-US"/>
           </a:p>
@@ -1824,13 +1618,7 @@
       </p:sp>
       <p:sp>
         <p:nvSpPr>
-          <p:cNvPr id="8" name="Footer Placeholder 7">
-            <a:extLst>
-              <a:ext uri="{FF2B5EF4-FFF2-40B4-BE49-F238E27FC236}">
-                <a16:creationId xmlns:a16="http://schemas.microsoft.com/office/drawing/2014/main" id="{4A77E0BB-2A4A-326D-B174-15D13F42AB42}"/>
-              </a:ext>
-            </a:extLst>
-          </p:cNvPr>
+          <p:cNvPr id="8" name="Footer Placeholder 7"/>
           <p:cNvSpPr>
             <a:spLocks noGrp="1"/>
           </p:cNvSpPr>
@@ -1849,13 +1637,7 @@
       </p:sp>
       <p:sp>
         <p:nvSpPr>
-          <p:cNvPr id="9" name="Slide Number Placeholder 8">
-            <a:extLst>
-              <a:ext uri="{FF2B5EF4-FFF2-40B4-BE49-F238E27FC236}">
-                <a16:creationId xmlns:a16="http://schemas.microsoft.com/office/drawing/2014/main" id="{5E887ED3-1E14-A94F-B72B-014BFF63E551}"/>
-              </a:ext>
-            </a:extLst>
-          </p:cNvPr>
+          <p:cNvPr id="9" name="Slide Number Placeholder 8"/>
           <p:cNvSpPr>
             <a:spLocks noGrp="1"/>
           </p:cNvSpPr>
@@ -1879,7 +1661,7 @@
     </p:spTree>
     <p:extLst>
       <p:ext uri="{BB962C8B-B14F-4D97-AF65-F5344CB8AC3E}">
-        <p14:creationId xmlns:p14="http://schemas.microsoft.com/office/powerpoint/2010/main" val="1906820467"/>
+        <p14:creationId xmlns:p14="http://schemas.microsoft.com/office/powerpoint/2010/main" val="84963055"/>
       </p:ext>
     </p:extLst>
   </p:cSld>
@@ -1908,13 +1690,7 @@
       </p:grpSpPr>
       <p:sp>
         <p:nvSpPr>
-          <p:cNvPr id="2" name="Title 1">
-            <a:extLst>
-              <a:ext uri="{FF2B5EF4-FFF2-40B4-BE49-F238E27FC236}">
-                <a16:creationId xmlns:a16="http://schemas.microsoft.com/office/drawing/2014/main" id="{5FFA2815-7307-866E-AD5C-F62863955335}"/>
-              </a:ext>
-            </a:extLst>
-          </p:cNvPr>
+          <p:cNvPr id="2" name="Title 1"/>
           <p:cNvSpPr>
             <a:spLocks noGrp="1"/>
           </p:cNvSpPr>
@@ -1931,18 +1707,13 @@
               <a:rPr lang="en-US"/>
               <a:t>Click to edit Master title style</a:t>
             </a:r>
+            <a:endParaRPr lang="en-US" dirty="0"/>
           </a:p>
         </p:txBody>
       </p:sp>
       <p:sp>
         <p:nvSpPr>
-          <p:cNvPr id="3" name="Date Placeholder 2">
-            <a:extLst>
-              <a:ext uri="{FF2B5EF4-FFF2-40B4-BE49-F238E27FC236}">
-                <a16:creationId xmlns:a16="http://schemas.microsoft.com/office/drawing/2014/main" id="{AA35F282-EFE3-9457-8A9B-47489ADEA2A0}"/>
-              </a:ext>
-            </a:extLst>
-          </p:cNvPr>
+          <p:cNvPr id="3" name="Date Placeholder 2"/>
           <p:cNvSpPr>
             <a:spLocks noGrp="1"/>
           </p:cNvSpPr>
@@ -1957,7 +1728,7 @@
           <a:p>
             <a:fld id="{F503AB62-FCEC-9B44-8CE4-D8E458DE6EEF}" type="datetimeFigureOut">
               <a:rPr lang="en-US" smtClean="0"/>
-              <a:t>1/30/23</a:t>
+              <a:t>2/2/23</a:t>
             </a:fld>
             <a:endParaRPr lang="en-US"/>
           </a:p>
@@ -1965,13 +1736,7 @@
       </p:sp>
       <p:sp>
         <p:nvSpPr>
-          <p:cNvPr id="4" name="Footer Placeholder 3">
-            <a:extLst>
-              <a:ext uri="{FF2B5EF4-FFF2-40B4-BE49-F238E27FC236}">
-                <a16:creationId xmlns:a16="http://schemas.microsoft.com/office/drawing/2014/main" id="{B06056F1-FD9E-F24E-EE28-6F9DC4C35541}"/>
-              </a:ext>
-            </a:extLst>
-          </p:cNvPr>
+          <p:cNvPr id="4" name="Footer Placeholder 3"/>
           <p:cNvSpPr>
             <a:spLocks noGrp="1"/>
           </p:cNvSpPr>
@@ -1990,13 +1755,7 @@
       </p:sp>
       <p:sp>
         <p:nvSpPr>
-          <p:cNvPr id="5" name="Slide Number Placeholder 4">
-            <a:extLst>
-              <a:ext uri="{FF2B5EF4-FFF2-40B4-BE49-F238E27FC236}">
-                <a16:creationId xmlns:a16="http://schemas.microsoft.com/office/drawing/2014/main" id="{8538733B-34EC-958E-5323-075A0A3B8CD4}"/>
-              </a:ext>
-            </a:extLst>
-          </p:cNvPr>
+          <p:cNvPr id="5" name="Slide Number Placeholder 4"/>
           <p:cNvSpPr>
             <a:spLocks noGrp="1"/>
           </p:cNvSpPr>
@@ -2020,7 +1779,7 @@
     </p:spTree>
     <p:extLst>
       <p:ext uri="{BB962C8B-B14F-4D97-AF65-F5344CB8AC3E}">
-        <p14:creationId xmlns:p14="http://schemas.microsoft.com/office/powerpoint/2010/main" val="3612679633"/>
+        <p14:creationId xmlns:p14="http://schemas.microsoft.com/office/powerpoint/2010/main" val="312515171"/>
       </p:ext>
     </p:extLst>
   </p:cSld>
@@ -2049,13 +1808,7 @@
       </p:grpSpPr>
       <p:sp>
         <p:nvSpPr>
-          <p:cNvPr id="2" name="Date Placeholder 1">
-            <a:extLst>
-              <a:ext uri="{FF2B5EF4-FFF2-40B4-BE49-F238E27FC236}">
-                <a16:creationId xmlns:a16="http://schemas.microsoft.com/office/drawing/2014/main" id="{464585F9-6169-D1D4-2D56-A11E53D41092}"/>
-              </a:ext>
-            </a:extLst>
-          </p:cNvPr>
+          <p:cNvPr id="2" name="Date Placeholder 1"/>
           <p:cNvSpPr>
             <a:spLocks noGrp="1"/>
           </p:cNvSpPr>
@@ -2070,7 +1823,7 @@
           <a:p>
             <a:fld id="{F503AB62-FCEC-9B44-8CE4-D8E458DE6EEF}" type="datetimeFigureOut">
               <a:rPr lang="en-US" smtClean="0"/>
-              <a:t>1/30/23</a:t>
+              <a:t>2/2/23</a:t>
             </a:fld>
             <a:endParaRPr lang="en-US"/>
           </a:p>
@@ -2078,13 +1831,7 @@
       </p:sp>
       <p:sp>
         <p:nvSpPr>
-          <p:cNvPr id="3" name="Footer Placeholder 2">
-            <a:extLst>
-              <a:ext uri="{FF2B5EF4-FFF2-40B4-BE49-F238E27FC236}">
-                <a16:creationId xmlns:a16="http://schemas.microsoft.com/office/drawing/2014/main" id="{8D25DB19-0400-DC96-F9BD-74BC0C770062}"/>
-              </a:ext>
-            </a:extLst>
-          </p:cNvPr>
+          <p:cNvPr id="3" name="Footer Placeholder 2"/>
           <p:cNvSpPr>
             <a:spLocks noGrp="1"/>
           </p:cNvSpPr>
@@ -2103,13 +1850,7 @@
       </p:sp>
       <p:sp>
         <p:nvSpPr>
-          <p:cNvPr id="4" name="Slide Number Placeholder 3">
-            <a:extLst>
-              <a:ext uri="{FF2B5EF4-FFF2-40B4-BE49-F238E27FC236}">
-                <a16:creationId xmlns:a16="http://schemas.microsoft.com/office/drawing/2014/main" id="{89F6C7D7-FDDD-448B-1DF5-79F70256BC4D}"/>
-              </a:ext>
-            </a:extLst>
-          </p:cNvPr>
+          <p:cNvPr id="4" name="Slide Number Placeholder 3"/>
           <p:cNvSpPr>
             <a:spLocks noGrp="1"/>
           </p:cNvSpPr>
@@ -2133,7 +1874,7 @@
     </p:spTree>
     <p:extLst>
       <p:ext uri="{BB962C8B-B14F-4D97-AF65-F5344CB8AC3E}">
-        <p14:creationId xmlns:p14="http://schemas.microsoft.com/office/powerpoint/2010/main" val="97233251"/>
+        <p14:creationId xmlns:p14="http://schemas.microsoft.com/office/powerpoint/2010/main" val="3491330527"/>
       </p:ext>
     </p:extLst>
   </p:cSld>
@@ -2162,13 +1903,7 @@
       </p:grpSpPr>
       <p:sp>
         <p:nvSpPr>
-          <p:cNvPr id="2" name="Title 1">
-            <a:extLst>
-              <a:ext uri="{FF2B5EF4-FFF2-40B4-BE49-F238E27FC236}">
-                <a16:creationId xmlns:a16="http://schemas.microsoft.com/office/drawing/2014/main" id="{E25A7FEF-17D5-491A-D379-C8BA59706441}"/>
-              </a:ext>
-            </a:extLst>
-          </p:cNvPr>
+          <p:cNvPr id="2" name="Title 1"/>
           <p:cNvSpPr>
             <a:spLocks noGrp="1"/>
           </p:cNvSpPr>
@@ -2194,18 +1929,13 @@
               <a:rPr lang="en-US"/>
               <a:t>Click to edit Master title style</a:t>
             </a:r>
+            <a:endParaRPr lang="en-US" dirty="0"/>
           </a:p>
         </p:txBody>
       </p:sp>
       <p:sp>
         <p:nvSpPr>
-          <p:cNvPr id="3" name="Content Placeholder 2">
-            <a:extLst>
-              <a:ext uri="{FF2B5EF4-FFF2-40B4-BE49-F238E27FC236}">
-                <a16:creationId xmlns:a16="http://schemas.microsoft.com/office/drawing/2014/main" id="{F9611FE9-DE29-95EF-A68C-E7719EBEB6D8}"/>
-              </a:ext>
-            </a:extLst>
-          </p:cNvPr>
+          <p:cNvPr id="3" name="Content Placeholder 2"/>
           <p:cNvSpPr>
             <a:spLocks noGrp="1"/>
           </p:cNvSpPr>
@@ -2284,18 +2014,13 @@
               <a:rPr lang="en-US"/>
               <a:t>Fifth level</a:t>
             </a:r>
+            <a:endParaRPr lang="en-US" dirty="0"/>
           </a:p>
         </p:txBody>
       </p:sp>
       <p:sp>
         <p:nvSpPr>
-          <p:cNvPr id="4" name="Text Placeholder 3">
-            <a:extLst>
-              <a:ext uri="{FF2B5EF4-FFF2-40B4-BE49-F238E27FC236}">
-                <a16:creationId xmlns:a16="http://schemas.microsoft.com/office/drawing/2014/main" id="{D60677AA-5592-3644-9063-1DE5908457F7}"/>
-              </a:ext>
-            </a:extLst>
-          </p:cNvPr>
+          <p:cNvPr id="4" name="Text Placeholder 3"/>
           <p:cNvSpPr>
             <a:spLocks noGrp="1"/>
           </p:cNvSpPr>
@@ -2360,13 +2085,7 @@
       </p:sp>
       <p:sp>
         <p:nvSpPr>
-          <p:cNvPr id="5" name="Date Placeholder 4">
-            <a:extLst>
-              <a:ext uri="{FF2B5EF4-FFF2-40B4-BE49-F238E27FC236}">
-                <a16:creationId xmlns:a16="http://schemas.microsoft.com/office/drawing/2014/main" id="{6341A9DA-027E-5B2B-EE2C-3F9DD5C78A31}"/>
-              </a:ext>
-            </a:extLst>
-          </p:cNvPr>
+          <p:cNvPr id="5" name="Date Placeholder 4"/>
           <p:cNvSpPr>
             <a:spLocks noGrp="1"/>
           </p:cNvSpPr>
@@ -2381,7 +2100,7 @@
           <a:p>
             <a:fld id="{F503AB62-FCEC-9B44-8CE4-D8E458DE6EEF}" type="datetimeFigureOut">
               <a:rPr lang="en-US" smtClean="0"/>
-              <a:t>1/30/23</a:t>
+              <a:t>2/2/23</a:t>
             </a:fld>
             <a:endParaRPr lang="en-US"/>
           </a:p>
@@ -2389,13 +2108,7 @@
       </p:sp>
       <p:sp>
         <p:nvSpPr>
-          <p:cNvPr id="6" name="Footer Placeholder 5">
-            <a:extLst>
-              <a:ext uri="{FF2B5EF4-FFF2-40B4-BE49-F238E27FC236}">
-                <a16:creationId xmlns:a16="http://schemas.microsoft.com/office/drawing/2014/main" id="{6A03C1C1-1D8E-2270-A282-CA6FCFF42030}"/>
-              </a:ext>
-            </a:extLst>
-          </p:cNvPr>
+          <p:cNvPr id="6" name="Footer Placeholder 5"/>
           <p:cNvSpPr>
             <a:spLocks noGrp="1"/>
           </p:cNvSpPr>
@@ -2414,13 +2127,7 @@
       </p:sp>
       <p:sp>
         <p:nvSpPr>
-          <p:cNvPr id="7" name="Slide Number Placeholder 6">
-            <a:extLst>
-              <a:ext uri="{FF2B5EF4-FFF2-40B4-BE49-F238E27FC236}">
-                <a16:creationId xmlns:a16="http://schemas.microsoft.com/office/drawing/2014/main" id="{8BF42109-0DA1-C089-944F-FDFD75400FCB}"/>
-              </a:ext>
-            </a:extLst>
-          </p:cNvPr>
+          <p:cNvPr id="7" name="Slide Number Placeholder 6"/>
           <p:cNvSpPr>
             <a:spLocks noGrp="1"/>
           </p:cNvSpPr>
@@ -2444,7 +2151,7 @@
     </p:spTree>
     <p:extLst>
       <p:ext uri="{BB962C8B-B14F-4D97-AF65-F5344CB8AC3E}">
-        <p14:creationId xmlns:p14="http://schemas.microsoft.com/office/powerpoint/2010/main" val="3812587485"/>
+        <p14:creationId xmlns:p14="http://schemas.microsoft.com/office/powerpoint/2010/main" val="2803688350"/>
       </p:ext>
     </p:extLst>
   </p:cSld>
@@ -2473,13 +2180,7 @@
       </p:grpSpPr>
       <p:sp>
         <p:nvSpPr>
-          <p:cNvPr id="2" name="Title 1">
-            <a:extLst>
-              <a:ext uri="{FF2B5EF4-FFF2-40B4-BE49-F238E27FC236}">
-                <a16:creationId xmlns:a16="http://schemas.microsoft.com/office/drawing/2014/main" id="{48E1799D-497B-7B31-521D-A19267A7BBD7}"/>
-              </a:ext>
-            </a:extLst>
-          </p:cNvPr>
+          <p:cNvPr id="2" name="Title 1"/>
           <p:cNvSpPr>
             <a:spLocks noGrp="1"/>
           </p:cNvSpPr>
@@ -2505,20 +2206,15 @@
               <a:rPr lang="en-US"/>
               <a:t>Click to edit Master title style</a:t>
             </a:r>
+            <a:endParaRPr lang="en-US" dirty="0"/>
           </a:p>
         </p:txBody>
       </p:sp>
       <p:sp>
         <p:nvSpPr>
-          <p:cNvPr id="3" name="Picture Placeholder 2">
-            <a:extLst>
-              <a:ext uri="{FF2B5EF4-FFF2-40B4-BE49-F238E27FC236}">
-                <a16:creationId xmlns:a16="http://schemas.microsoft.com/office/drawing/2014/main" id="{44AEC03D-4C1C-0EA1-3010-7449FA59EFFB}"/>
-              </a:ext>
-            </a:extLst>
-          </p:cNvPr>
+          <p:cNvPr id="3" name="Picture Placeholder 2"/>
           <p:cNvSpPr>
-            <a:spLocks noGrp="1"/>
+            <a:spLocks noGrp="1" noChangeAspect="1"/>
           </p:cNvSpPr>
           <p:nvPr>
             <p:ph type="pic" idx="1"/>
@@ -2531,7 +2227,7 @@
           </a:xfrm>
         </p:spPr>
         <p:txBody>
-          <a:bodyPr/>
+          <a:bodyPr anchor="t"/>
           <a:lstStyle>
             <a:lvl1pPr marL="0" indent="0">
               <a:buNone/>
@@ -2571,19 +2267,17 @@
             </a:lvl9pPr>
           </a:lstStyle>
           <a:p>
-            <a:endParaRPr lang="en-US"/>
+            <a:r>
+              <a:rPr lang="en-US"/>
+              <a:t>Click icon to add picture</a:t>
+            </a:r>
+            <a:endParaRPr lang="en-US" dirty="0"/>
           </a:p>
         </p:txBody>
       </p:sp>
       <p:sp>
         <p:nvSpPr>
-          <p:cNvPr id="4" name="Text Placeholder 3">
-            <a:extLst>
-              <a:ext uri="{FF2B5EF4-FFF2-40B4-BE49-F238E27FC236}">
-                <a16:creationId xmlns:a16="http://schemas.microsoft.com/office/drawing/2014/main" id="{6FF3BE54-8317-0A1B-98CE-1030D59B2542}"/>
-              </a:ext>
-            </a:extLst>
-          </p:cNvPr>
+          <p:cNvPr id="4" name="Text Placeholder 3"/>
           <p:cNvSpPr>
             <a:spLocks noGrp="1"/>
           </p:cNvSpPr>
@@ -2648,13 +2342,7 @@
       </p:sp>
       <p:sp>
         <p:nvSpPr>
-          <p:cNvPr id="5" name="Date Placeholder 4">
-            <a:extLst>
-              <a:ext uri="{FF2B5EF4-FFF2-40B4-BE49-F238E27FC236}">
-                <a16:creationId xmlns:a16="http://schemas.microsoft.com/office/drawing/2014/main" id="{DE76C620-2C7F-A081-7FFC-B0BF8B3674F5}"/>
-              </a:ext>
-            </a:extLst>
-          </p:cNvPr>
+          <p:cNvPr id="5" name="Date Placeholder 4"/>
           <p:cNvSpPr>
             <a:spLocks noGrp="1"/>
           </p:cNvSpPr>
@@ -2669,7 +2357,7 @@
           <a:p>
             <a:fld id="{F503AB62-FCEC-9B44-8CE4-D8E458DE6EEF}" type="datetimeFigureOut">
               <a:rPr lang="en-US" smtClean="0"/>
-              <a:t>1/30/23</a:t>
+              <a:t>2/2/23</a:t>
             </a:fld>
             <a:endParaRPr lang="en-US"/>
           </a:p>
@@ -2677,13 +2365,7 @@
       </p:sp>
       <p:sp>
         <p:nvSpPr>
-          <p:cNvPr id="6" name="Footer Placeholder 5">
-            <a:extLst>
-              <a:ext uri="{FF2B5EF4-FFF2-40B4-BE49-F238E27FC236}">
-                <a16:creationId xmlns:a16="http://schemas.microsoft.com/office/drawing/2014/main" id="{FC8917A7-9856-29E9-0338-BED3FA9BC4F6}"/>
-              </a:ext>
-            </a:extLst>
-          </p:cNvPr>
+          <p:cNvPr id="6" name="Footer Placeholder 5"/>
           <p:cNvSpPr>
             <a:spLocks noGrp="1"/>
           </p:cNvSpPr>
@@ -2702,13 +2384,7 @@
       </p:sp>
       <p:sp>
         <p:nvSpPr>
-          <p:cNvPr id="7" name="Slide Number Placeholder 6">
-            <a:extLst>
-              <a:ext uri="{FF2B5EF4-FFF2-40B4-BE49-F238E27FC236}">
-                <a16:creationId xmlns:a16="http://schemas.microsoft.com/office/drawing/2014/main" id="{54F53B5F-F24B-51B6-9F0B-A330A0F39B1C}"/>
-              </a:ext>
-            </a:extLst>
-          </p:cNvPr>
+          <p:cNvPr id="7" name="Slide Number Placeholder 6"/>
           <p:cNvSpPr>
             <a:spLocks noGrp="1"/>
           </p:cNvSpPr>
@@ -2732,7 +2408,7 @@
     </p:spTree>
     <p:extLst>
       <p:ext uri="{BB962C8B-B14F-4D97-AF65-F5344CB8AC3E}">
-        <p14:creationId xmlns:p14="http://schemas.microsoft.com/office/powerpoint/2010/main" val="1567632638"/>
+        <p14:creationId xmlns:p14="http://schemas.microsoft.com/office/powerpoint/2010/main" val="3456146421"/>
       </p:ext>
     </p:extLst>
   </p:cSld>
@@ -2766,13 +2442,7 @@
       </p:grpSpPr>
       <p:sp>
         <p:nvSpPr>
-          <p:cNvPr id="2" name="Title Placeholder 1">
-            <a:extLst>
-              <a:ext uri="{FF2B5EF4-FFF2-40B4-BE49-F238E27FC236}">
-                <a16:creationId xmlns:a16="http://schemas.microsoft.com/office/drawing/2014/main" id="{FB670F0F-7BEB-B966-5DDC-6AAC652A974B}"/>
-              </a:ext>
-            </a:extLst>
-          </p:cNvPr>
+          <p:cNvPr id="2" name="Title Placeholder 1"/>
           <p:cNvSpPr>
             <a:spLocks noGrp="1"/>
           </p:cNvSpPr>
@@ -2799,18 +2469,13 @@
               <a:rPr lang="en-US"/>
               <a:t>Click to edit Master title style</a:t>
             </a:r>
+            <a:endParaRPr lang="en-US" dirty="0"/>
           </a:p>
         </p:txBody>
       </p:sp>
       <p:sp>
         <p:nvSpPr>
-          <p:cNvPr id="3" name="Text Placeholder 2">
-            <a:extLst>
-              <a:ext uri="{FF2B5EF4-FFF2-40B4-BE49-F238E27FC236}">
-                <a16:creationId xmlns:a16="http://schemas.microsoft.com/office/drawing/2014/main" id="{CBDD7F2F-DF1E-91D8-A9B0-9908261EF48C}"/>
-              </a:ext>
-            </a:extLst>
-          </p:cNvPr>
+          <p:cNvPr id="3" name="Text Placeholder 2"/>
           <p:cNvSpPr>
             <a:spLocks noGrp="1"/>
           </p:cNvSpPr>
@@ -2866,18 +2531,13 @@
               <a:rPr lang="en-US"/>
               <a:t>Fifth level</a:t>
             </a:r>
+            <a:endParaRPr lang="en-US" dirty="0"/>
           </a:p>
         </p:txBody>
       </p:sp>
       <p:sp>
         <p:nvSpPr>
-          <p:cNvPr id="4" name="Date Placeholder 3">
-            <a:extLst>
-              <a:ext uri="{FF2B5EF4-FFF2-40B4-BE49-F238E27FC236}">
-                <a16:creationId xmlns:a16="http://schemas.microsoft.com/office/drawing/2014/main" id="{8EDBEA33-9D2C-BD0D-3DB0-2AEB5D1BCF56}"/>
-              </a:ext>
-            </a:extLst>
-          </p:cNvPr>
+          <p:cNvPr id="4" name="Date Placeholder 3"/>
           <p:cNvSpPr>
             <a:spLocks noGrp="1"/>
           </p:cNvSpPr>
@@ -2910,7 +2570,7 @@
           <a:p>
             <a:fld id="{F503AB62-FCEC-9B44-8CE4-D8E458DE6EEF}" type="datetimeFigureOut">
               <a:rPr lang="en-US" smtClean="0"/>
-              <a:t>1/30/23</a:t>
+              <a:t>2/2/23</a:t>
             </a:fld>
             <a:endParaRPr lang="en-US"/>
           </a:p>
@@ -2918,13 +2578,7 @@
       </p:sp>
       <p:sp>
         <p:nvSpPr>
-          <p:cNvPr id="5" name="Footer Placeholder 4">
-            <a:extLst>
-              <a:ext uri="{FF2B5EF4-FFF2-40B4-BE49-F238E27FC236}">
-                <a16:creationId xmlns:a16="http://schemas.microsoft.com/office/drawing/2014/main" id="{1C4FDAA9-AFD7-B73B-D984-E2E4316C9C70}"/>
-              </a:ext>
-            </a:extLst>
-          </p:cNvPr>
+          <p:cNvPr id="5" name="Footer Placeholder 4"/>
           <p:cNvSpPr>
             <a:spLocks noGrp="1"/>
           </p:cNvSpPr>
@@ -2961,13 +2615,7 @@
       </p:sp>
       <p:sp>
         <p:nvSpPr>
-          <p:cNvPr id="6" name="Slide Number Placeholder 5">
-            <a:extLst>
-              <a:ext uri="{FF2B5EF4-FFF2-40B4-BE49-F238E27FC236}">
-                <a16:creationId xmlns:a16="http://schemas.microsoft.com/office/drawing/2014/main" id="{96672EE1-BE51-BD2A-5538-CCBFB73301EC}"/>
-              </a:ext>
-            </a:extLst>
-          </p:cNvPr>
+          <p:cNvPr id="6" name="Slide Number Placeholder 5"/>
           <p:cNvSpPr>
             <a:spLocks noGrp="1"/>
           </p:cNvSpPr>
@@ -3009,23 +2657,23 @@
     </p:spTree>
     <p:extLst>
       <p:ext uri="{BB962C8B-B14F-4D97-AF65-F5344CB8AC3E}">
-        <p14:creationId xmlns:p14="http://schemas.microsoft.com/office/powerpoint/2010/main" val="2130423742"/>
+        <p14:creationId xmlns:p14="http://schemas.microsoft.com/office/powerpoint/2010/main" val="961089364"/>
       </p:ext>
     </p:extLst>
   </p:cSld>
   <p:clrMap bg1="lt1" tx1="dk1" bg2="lt2" tx2="dk2" accent1="accent1" accent2="accent2" accent3="accent3" accent4="accent4" accent5="accent5" accent6="accent6" hlink="hlink" folHlink="folHlink"/>
   <p:sldLayoutIdLst>
-    <p:sldLayoutId id="2147483649" r:id="rId1"/>
-    <p:sldLayoutId id="2147483650" r:id="rId2"/>
-    <p:sldLayoutId id="2147483651" r:id="rId3"/>
-    <p:sldLayoutId id="2147483652" r:id="rId4"/>
-    <p:sldLayoutId id="2147483653" r:id="rId5"/>
-    <p:sldLayoutId id="2147483654" r:id="rId6"/>
-    <p:sldLayoutId id="2147483655" r:id="rId7"/>
-    <p:sldLayoutId id="2147483656" r:id="rId8"/>
-    <p:sldLayoutId id="2147483657" r:id="rId9"/>
-    <p:sldLayoutId id="2147483658" r:id="rId10"/>
-    <p:sldLayoutId id="2147483659" r:id="rId11"/>
+    <p:sldLayoutId id="2147483697" r:id="rId1"/>
+    <p:sldLayoutId id="2147483698" r:id="rId2"/>
+    <p:sldLayoutId id="2147483699" r:id="rId3"/>
+    <p:sldLayoutId id="2147483700" r:id="rId4"/>
+    <p:sldLayoutId id="2147483701" r:id="rId5"/>
+    <p:sldLayoutId id="2147483702" r:id="rId6"/>
+    <p:sldLayoutId id="2147483703" r:id="rId7"/>
+    <p:sldLayoutId id="2147483704" r:id="rId8"/>
+    <p:sldLayoutId id="2147483705" r:id="rId9"/>
+    <p:sldLayoutId id="2147483706" r:id="rId10"/>
+    <p:sldLayoutId id="2147483707" r:id="rId11"/>
   </p:sldLayoutIdLst>
   <p:txStyles>
     <p:titleStyle>
@@ -3349,7 +2997,7 @@
         </p:blipFill>
         <p:spPr>
           <a:xfrm>
-            <a:off x="6726437" y="2514600"/>
+            <a:off x="6726441" y="2514600"/>
             <a:ext cx="2414447" cy="2194560"/>
           </a:xfrm>
           <a:prstGeom prst="rect">
@@ -3379,7 +3027,7 @@
         </p:blipFill>
         <p:spPr>
           <a:xfrm>
-            <a:off x="6726437" y="4681728"/>
+            <a:off x="6726441" y="4681728"/>
             <a:ext cx="2414447" cy="2194560"/>
           </a:xfrm>
           <a:prstGeom prst="rect">
@@ -3409,7 +3057,7 @@
         </p:blipFill>
         <p:spPr>
           <a:xfrm>
-            <a:off x="6727331" y="347472"/>
+            <a:off x="6727335" y="347472"/>
             <a:ext cx="2414447" cy="2194560"/>
           </a:xfrm>
           <a:prstGeom prst="rect">
@@ -3433,7 +3081,7 @@
             </p:nvSpPr>
             <p:spPr>
               <a:xfrm>
-                <a:off x="2261523" y="-17724"/>
+                <a:off x="2142107" y="-35939"/>
                 <a:ext cx="11372850" cy="450380"/>
               </a:xfrm>
               <a:prstGeom prst="rect">
@@ -3475,7 +3123,7 @@
                           <m:t> (</m:t>
                         </m:r>
                         <m:r>
-                          <a:rPr lang="en-US" sz="2000" b="1" i="1" dirty="0" smtClean="0">
+                          <a:rPr lang="en-US" sz="2000" b="1" i="1" dirty="0">
                             <a:latin typeface="Cambria Math" panose="02040503050406030204" pitchFamily="18" charset="0"/>
                           </a:rPr>
                           <m:t>𝑭</m:t>
@@ -3499,8 +3147,217 @@
                         </m:ctrlPr>
                       </m:dPr>
                       <m:e>
+                        <m:sSub>
+                          <m:sSubPr>
+                            <m:ctrlPr>
+                              <a:rPr lang="en-US" sz="2000" b="1" i="1" dirty="0" smtClean="0">
+                                <a:latin typeface="Cambria Math" panose="02040503050406030204" pitchFamily="18" charset="0"/>
+                              </a:rPr>
+                            </m:ctrlPr>
+                          </m:sSubPr>
+                          <m:e>
+                            <m:r>
+                              <a:rPr lang="en-US" sz="2000" b="1" i="1" dirty="0" smtClean="0">
+                                <a:latin typeface="Cambria Math" panose="02040503050406030204" pitchFamily="18" charset="0"/>
+                              </a:rPr>
+                              <m:t>𝒗</m:t>
+                            </m:r>
+                          </m:e>
+                          <m:sub>
+                            <m:r>
+                              <a:rPr lang="en-US" sz="2000" b="1" i="1" dirty="0" smtClean="0">
+                                <a:latin typeface="Cambria Math" panose="02040503050406030204" pitchFamily="18" charset="0"/>
+                              </a:rPr>
+                              <m:t>𝒛</m:t>
+                            </m:r>
+                          </m:sub>
+                        </m:sSub>
                         <m:r>
                           <a:rPr lang="en-US" sz="2000" b="1" i="1" dirty="0" err="1">
+                            <a:latin typeface="Cambria Math" panose="02040503050406030204" pitchFamily="18" charset="0"/>
+                          </a:rPr>
+                          <m:t>,</m:t>
+                        </m:r>
+                        <m:sSub>
+                          <m:sSubPr>
+                            <m:ctrlPr>
+                              <a:rPr lang="en-US" sz="2000" b="1" i="1" dirty="0" err="1">
+                                <a:latin typeface="Cambria Math" panose="02040503050406030204" pitchFamily="18" charset="0"/>
+                              </a:rPr>
+                            </m:ctrlPr>
+                          </m:sSubPr>
+                          <m:e>
+                            <m:r>
+                              <a:rPr lang="en-US" sz="2000" b="1" i="1" dirty="0" err="1">
+                                <a:latin typeface="Cambria Math" panose="02040503050406030204" pitchFamily="18" charset="0"/>
+                              </a:rPr>
+                              <m:t>𝒗</m:t>
+                            </m:r>
+                          </m:e>
+                          <m:sub>
+                            <m:r>
+                              <a:rPr lang="en-US" sz="2000" b="1" i="1" dirty="0" smtClean="0">
+                                <a:latin typeface="Cambria Math" panose="02040503050406030204" pitchFamily="18" charset="0"/>
+                              </a:rPr>
+                              <m:t>𝒚</m:t>
+                            </m:r>
+                          </m:sub>
+                        </m:sSub>
+                      </m:e>
+                    </m:d>
+                    <m:r>
+                      <a:rPr lang="en-US" sz="2000" b="1" i="1" dirty="0">
+                        <a:latin typeface="Cambria Math" panose="02040503050406030204" pitchFamily="18" charset="0"/>
+                      </a:rPr>
+                      <m:t>)</m:t>
+                    </m:r>
+                  </m:oMath>
+                </a14:m>
+                <a:r>
+                  <a:rPr lang="en-US" sz="2000" b="1" dirty="0"/>
+                  <a:t>                    </a:t>
+                </a:r>
+                <a14:m>
+                  <m:oMath xmlns:m="http://schemas.openxmlformats.org/officeDocument/2006/math">
+                    <m:sSub>
+                      <m:sSubPr>
+                        <m:ctrlPr>
+                          <a:rPr lang="en-US" sz="2000" b="1" i="1" dirty="0">
+                            <a:latin typeface="Cambria Math" panose="02040503050406030204" pitchFamily="18" charset="0"/>
+                          </a:rPr>
+                        </m:ctrlPr>
+                      </m:sSubPr>
+                      <m:e>
+                        <m:r>
+                          <a:rPr lang="en-US" sz="2000" b="1" i="1" dirty="0">
+                            <a:latin typeface="Cambria Math" panose="02040503050406030204" pitchFamily="18" charset="0"/>
+                          </a:rPr>
+                          <m:t>𝑭</m:t>
+                        </m:r>
+                      </m:e>
+                      <m:sub>
+                        <m:r>
+                          <a:rPr lang="en-US" sz="2000" b="1" dirty="0">
+                            <a:latin typeface="Cambria Math" panose="02040503050406030204" pitchFamily="18" charset="0"/>
+                          </a:rPr>
+                          <m:t>𝐞</m:t>
+                        </m:r>
+                      </m:sub>
+                    </m:sSub>
+                    <m:d>
+                      <m:dPr>
+                        <m:ctrlPr>
+                          <a:rPr lang="en-US" sz="2000" b="1" i="1" dirty="0">
+                            <a:latin typeface="Cambria Math" panose="02040503050406030204" pitchFamily="18" charset="0"/>
+                          </a:rPr>
+                        </m:ctrlPr>
+                      </m:dPr>
+                      <m:e>
+                        <m:sSub>
+                          <m:sSubPr>
+                            <m:ctrlPr>
+                              <a:rPr lang="en-US" sz="2000" b="1" i="1" dirty="0">
+                                <a:latin typeface="Cambria Math" panose="02040503050406030204" pitchFamily="18" charset="0"/>
+                              </a:rPr>
+                            </m:ctrlPr>
+                          </m:sSubPr>
+                          <m:e>
+                            <m:r>
+                              <a:rPr lang="en-US" sz="2000" b="1" i="1" dirty="0">
+                                <a:latin typeface="Cambria Math" panose="02040503050406030204" pitchFamily="18" charset="0"/>
+                              </a:rPr>
+                              <m:t>𝒗</m:t>
+                            </m:r>
+                          </m:e>
+                          <m:sub>
+                            <m:r>
+                              <a:rPr lang="en-US" sz="2000" b="1" i="1" dirty="0" err="1">
+                                <a:latin typeface="Cambria Math" panose="02040503050406030204" pitchFamily="18" charset="0"/>
+                              </a:rPr>
+                              <m:t>𝒛</m:t>
+                            </m:r>
+                          </m:sub>
+                        </m:sSub>
+                        <m:r>
+                          <a:rPr lang="en-US" sz="2000" b="1" i="1" dirty="0" err="1">
+                            <a:latin typeface="Cambria Math" panose="02040503050406030204" pitchFamily="18" charset="0"/>
+                          </a:rPr>
+                          <m:t>,</m:t>
+                        </m:r>
+                        <m:sSub>
+                          <m:sSubPr>
+                            <m:ctrlPr>
+                              <a:rPr lang="en-US" sz="2000" b="1" i="1" dirty="0" err="1">
+                                <a:latin typeface="Cambria Math" panose="02040503050406030204" pitchFamily="18" charset="0"/>
+                              </a:rPr>
+                            </m:ctrlPr>
+                          </m:sSubPr>
+                          <m:e>
+                            <m:r>
+                              <a:rPr lang="en-US" sz="2000" b="1" i="1" dirty="0" err="1">
+                                <a:latin typeface="Cambria Math" panose="02040503050406030204" pitchFamily="18" charset="0"/>
+                              </a:rPr>
+                              <m:t>𝒗</m:t>
+                            </m:r>
+                          </m:e>
+                          <m:sub>
+                            <m:r>
+                              <a:rPr lang="en-US" sz="2000" b="1" i="1" dirty="0">
+                                <a:latin typeface="Cambria Math" panose="02040503050406030204" pitchFamily="18" charset="0"/>
+                              </a:rPr>
+                              <m:t>𝒚</m:t>
+                            </m:r>
+                          </m:sub>
+                        </m:sSub>
+                      </m:e>
+                    </m:d>
+                  </m:oMath>
+                </a14:m>
+                <a:r>
+                  <a:rPr lang="en-US" sz="2000" b="1" dirty="0">
+                    <a:latin typeface="Times New Roman" panose="02020603050405020304" pitchFamily="18" charset="0"/>
+                    <a:cs typeface="Times New Roman" panose="02020603050405020304" pitchFamily="18" charset="0"/>
+                  </a:rPr>
+                  <a:t>                      </a:t>
+                </a:r>
+                <a14:m>
+                  <m:oMath xmlns:m="http://schemas.openxmlformats.org/officeDocument/2006/math">
+                    <m:sSub>
+                      <m:sSubPr>
+                        <m:ctrlPr>
+                          <a:rPr lang="en-US" sz="2000" b="1" i="1" dirty="0">
+                            <a:latin typeface="Cambria Math" panose="02040503050406030204" pitchFamily="18" charset="0"/>
+                          </a:rPr>
+                        </m:ctrlPr>
+                      </m:sSubPr>
+                      <m:e>
+                        <m:r>
+                          <a:rPr lang="en-US" sz="2000" b="1" i="1" dirty="0">
+                            <a:latin typeface="Cambria Math" panose="02040503050406030204" pitchFamily="18" charset="0"/>
+                          </a:rPr>
+                          <m:t>𝑭</m:t>
+                        </m:r>
+                      </m:e>
+                      <m:sub>
+                        <m:r>
+                          <a:rPr lang="en-US" sz="2000" b="1" dirty="0">
+                            <a:latin typeface="Cambria Math" panose="02040503050406030204" pitchFamily="18" charset="0"/>
+                          </a:rPr>
+                          <m:t>𝐞</m:t>
+                        </m:r>
+                      </m:sub>
+                    </m:sSub>
+                    <m:d>
+                      <m:dPr>
+                        <m:ctrlPr>
+                          <a:rPr lang="en-US" sz="2000" b="1" i="1" dirty="0">
+                            <a:latin typeface="Cambria Math" panose="02040503050406030204" pitchFamily="18" charset="0"/>
+                          </a:rPr>
+                        </m:ctrlPr>
+                      </m:dPr>
+                      <m:e>
+                        <m:r>
+                          <a:rPr lang="en-US" sz="2000" b="1" i="1" dirty="0">
                             <a:latin typeface="Cambria Math" panose="02040503050406030204" pitchFamily="18" charset="0"/>
                           </a:rPr>
                           <m:t>𝒛</m:t>
@@ -3529,197 +3386,7 @@
                           </m:e>
                           <m:sub>
                             <m:r>
-                              <a:rPr lang="en-US" sz="2000" b="1" i="1" dirty="0" err="1">
-                                <a:latin typeface="Cambria Math" panose="02040503050406030204" pitchFamily="18" charset="0"/>
-                              </a:rPr>
-                              <m:t>𝒛</m:t>
-                            </m:r>
-                          </m:sub>
-                        </m:sSub>
-                      </m:e>
-                    </m:d>
-                    <m:r>
-                      <a:rPr lang="en-US" sz="2000" b="1" i="1" dirty="0" smtClean="0">
-                        <a:latin typeface="Cambria Math" panose="02040503050406030204" pitchFamily="18" charset="0"/>
-                      </a:rPr>
-                      <m:t>)</m:t>
-                    </m:r>
-                  </m:oMath>
-                </a14:m>
-                <a:r>
-                  <a:rPr lang="en-US" sz="2000" b="1" dirty="0"/>
-                  <a:t>                    </a:t>
-                </a:r>
-                <a14:m>
-                  <m:oMath xmlns:m="http://schemas.openxmlformats.org/officeDocument/2006/math">
-                    <m:sSub>
-                      <m:sSubPr>
-                        <m:ctrlPr>
-                          <a:rPr lang="en-US" sz="2000" b="1" i="1" dirty="0" smtClean="0">
-                            <a:latin typeface="Cambria Math" panose="02040503050406030204" pitchFamily="18" charset="0"/>
-                          </a:rPr>
-                        </m:ctrlPr>
-                      </m:sSubPr>
-                      <m:e>
-                        <m:r>
-                          <a:rPr lang="en-US" sz="2000" b="1" i="1" dirty="0" smtClean="0">
-                            <a:latin typeface="Cambria Math" panose="02040503050406030204" pitchFamily="18" charset="0"/>
-                          </a:rPr>
-                          <m:t>𝑭</m:t>
-                        </m:r>
-                      </m:e>
-                      <m:sub>
-                        <m:r>
-                          <a:rPr lang="en-US" sz="2000" b="1" i="0" dirty="0" smtClean="0">
-                            <a:latin typeface="Cambria Math" panose="02040503050406030204" pitchFamily="18" charset="0"/>
-                          </a:rPr>
-                          <m:t>𝐞</m:t>
-                        </m:r>
-                      </m:sub>
-                    </m:sSub>
-                    <m:d>
-                      <m:dPr>
-                        <m:ctrlPr>
-                          <a:rPr lang="en-US" sz="2000" b="1" i="1" dirty="0" smtClean="0">
-                            <a:latin typeface="Cambria Math" panose="02040503050406030204" pitchFamily="18" charset="0"/>
-                          </a:rPr>
-                        </m:ctrlPr>
-                      </m:dPr>
-                      <m:e>
-                        <m:sSub>
-                          <m:sSubPr>
-                            <m:ctrlPr>
-                              <a:rPr lang="en-US" sz="2000" b="1" i="1" dirty="0" smtClean="0">
-                                <a:latin typeface="Cambria Math" panose="02040503050406030204" pitchFamily="18" charset="0"/>
-                              </a:rPr>
-                            </m:ctrlPr>
-                          </m:sSubPr>
-                          <m:e>
-                            <m:r>
-                              <a:rPr lang="en-US" sz="2000" b="1" i="1" dirty="0" smtClean="0">
-                                <a:latin typeface="Cambria Math" panose="02040503050406030204" pitchFamily="18" charset="0"/>
-                              </a:rPr>
-                              <m:t>𝒗</m:t>
-                            </m:r>
-                          </m:e>
-                          <m:sub>
-                            <m:r>
-                              <a:rPr lang="en-US" sz="2000" b="1" i="1" dirty="0" err="1" smtClean="0">
-                                <a:latin typeface="Cambria Math" panose="02040503050406030204" pitchFamily="18" charset="0"/>
-                              </a:rPr>
-                              <m:t>𝒛</m:t>
-                            </m:r>
-                          </m:sub>
-                        </m:sSub>
-                        <m:r>
-                          <a:rPr lang="en-US" sz="2000" b="1" i="1" dirty="0" err="1" smtClean="0">
-                            <a:latin typeface="Cambria Math" panose="02040503050406030204" pitchFamily="18" charset="0"/>
-                          </a:rPr>
-                          <m:t>,</m:t>
-                        </m:r>
-                        <m:sSub>
-                          <m:sSubPr>
-                            <m:ctrlPr>
-                              <a:rPr lang="en-US" sz="2000" b="1" i="1" dirty="0" err="1" smtClean="0">
-                                <a:latin typeface="Cambria Math" panose="02040503050406030204" pitchFamily="18" charset="0"/>
-                              </a:rPr>
-                            </m:ctrlPr>
-                          </m:sSubPr>
-                          <m:e>
-                            <m:r>
-                              <a:rPr lang="en-US" sz="2000" b="1" i="1" dirty="0" err="1" smtClean="0">
-                                <a:latin typeface="Cambria Math" panose="02040503050406030204" pitchFamily="18" charset="0"/>
-                              </a:rPr>
-                              <m:t>𝒗</m:t>
-                            </m:r>
-                          </m:e>
-                          <m:sub>
-                            <m:r>
-                              <a:rPr lang="en-US" sz="2000" b="1" i="1" dirty="0" smtClean="0">
-                                <a:latin typeface="Cambria Math" panose="02040503050406030204" pitchFamily="18" charset="0"/>
-                              </a:rPr>
-                              <m:t>𝒚</m:t>
-                            </m:r>
-                          </m:sub>
-                        </m:sSub>
-                      </m:e>
-                    </m:d>
-                  </m:oMath>
-                </a14:m>
-                <a:r>
-                  <a:rPr lang="en-US" sz="2000" b="1" dirty="0">
-                    <a:latin typeface="Times New Roman" panose="02020603050405020304" pitchFamily="18" charset="0"/>
-                    <a:cs typeface="Times New Roman" panose="02020603050405020304" pitchFamily="18" charset="0"/>
-                  </a:rPr>
-                  <a:t>                      </a:t>
-                </a:r>
-                <a14:m>
-                  <m:oMath xmlns:m="http://schemas.openxmlformats.org/officeDocument/2006/math">
-                    <m:sSub>
-                      <m:sSubPr>
-                        <m:ctrlPr>
-                          <a:rPr lang="en-US" sz="2000" b="1" i="1" dirty="0" smtClean="0">
-                            <a:latin typeface="Cambria Math" panose="02040503050406030204" pitchFamily="18" charset="0"/>
-                          </a:rPr>
-                        </m:ctrlPr>
-                      </m:sSubPr>
-                      <m:e>
-                        <m:r>
-                          <a:rPr lang="en-US" sz="2000" b="1" i="1" dirty="0" smtClean="0">
-                            <a:latin typeface="Cambria Math" panose="02040503050406030204" pitchFamily="18" charset="0"/>
-                          </a:rPr>
-                          <m:t>𝑭</m:t>
-                        </m:r>
-                      </m:e>
-                      <m:sub>
-                        <m:r>
-                          <a:rPr lang="en-US" sz="2000" b="1" i="0" dirty="0" smtClean="0">
-                            <a:latin typeface="Cambria Math" panose="02040503050406030204" pitchFamily="18" charset="0"/>
-                          </a:rPr>
-                          <m:t>𝐞</m:t>
-                        </m:r>
-                      </m:sub>
-                    </m:sSub>
-                    <m:d>
-                      <m:dPr>
-                        <m:ctrlPr>
-                          <a:rPr lang="en-US" sz="2000" b="1" i="1" dirty="0">
-                            <a:latin typeface="Cambria Math" panose="02040503050406030204" pitchFamily="18" charset="0"/>
-                          </a:rPr>
-                        </m:ctrlPr>
-                      </m:dPr>
-                      <m:e>
-                        <m:r>
-                          <a:rPr lang="en-US" sz="2000" b="1" i="1" dirty="0" smtClean="0">
-                            <a:latin typeface="Cambria Math" panose="02040503050406030204" pitchFamily="18" charset="0"/>
-                          </a:rPr>
-                          <m:t>𝒛</m:t>
-                        </m:r>
-                        <m:r>
-                          <a:rPr lang="en-US" sz="2000" b="1" i="1" dirty="0" err="1">
-                            <a:latin typeface="Cambria Math" panose="02040503050406030204" pitchFamily="18" charset="0"/>
-                          </a:rPr>
-                          <m:t>,</m:t>
-                        </m:r>
-                        <m:sSub>
-                          <m:sSubPr>
-                            <m:ctrlPr>
-                              <a:rPr lang="en-US" sz="2000" b="1" i="1" dirty="0" err="1">
-                                <a:latin typeface="Cambria Math" panose="02040503050406030204" pitchFamily="18" charset="0"/>
-                              </a:rPr>
-                            </m:ctrlPr>
-                          </m:sSubPr>
-                          <m:e>
-                            <m:r>
-                              <a:rPr lang="en-US" sz="2000" b="1" i="1" dirty="0" err="1">
-                                <a:latin typeface="Cambria Math" panose="02040503050406030204" pitchFamily="18" charset="0"/>
-                              </a:rPr>
-                              <m:t>𝒗</m:t>
-                            </m:r>
-                          </m:e>
-                          <m:sub>
-                            <m:r>
-                              <a:rPr lang="en-US" sz="2000" b="1" i="1" dirty="0" smtClean="0">
+                              <a:rPr lang="en-US" sz="2000" b="1" i="1" dirty="0">
                                 <a:latin typeface="Cambria Math" panose="02040503050406030204" pitchFamily="18" charset="0"/>
                               </a:rPr>
                               <m:t>𝒛</m:t>
@@ -3735,47 +3402,47 @@
                     <a:latin typeface="Times New Roman" panose="02020603050405020304" pitchFamily="18" charset="0"/>
                     <a:cs typeface="Times New Roman" panose="02020603050405020304" pitchFamily="18" charset="0"/>
                   </a:rPr>
-                  <a:t>                             </a:t>
+                  <a:t>                        </a:t>
                 </a:r>
                 <a14:m>
                   <m:oMath xmlns:m="http://schemas.openxmlformats.org/officeDocument/2006/math">
                     <m:r>
-                      <a:rPr lang="en-US" sz="2000" b="1" i="1" dirty="0" smtClean="0">
+                      <a:rPr lang="en-US" sz="2000" b="1" i="1" dirty="0">
                         <a:latin typeface="Cambria Math" panose="02040503050406030204" pitchFamily="18" charset="0"/>
                         <a:cs typeface="Times New Roman" panose="02020603050405020304" pitchFamily="18" charset="0"/>
                       </a:rPr>
                       <m:t>𝝋</m:t>
                     </m:r>
                     <m:r>
-                      <a:rPr lang="en-US" sz="2000" b="1" i="1" dirty="0" smtClean="0">
+                      <a:rPr lang="en-US" sz="2000" b="1" i="1" dirty="0">
                         <a:latin typeface="Cambria Math" panose="02040503050406030204" pitchFamily="18" charset="0"/>
                         <a:cs typeface="Times New Roman" panose="02020603050405020304" pitchFamily="18" charset="0"/>
                       </a:rPr>
                       <m:t>(</m:t>
                     </m:r>
                     <m:r>
-                      <a:rPr lang="en-US" sz="2000" b="1" i="1" dirty="0" smtClean="0">
+                      <a:rPr lang="en-US" sz="2000" b="1" i="1" dirty="0">
                         <a:latin typeface="Cambria Math" panose="02040503050406030204" pitchFamily="18" charset="0"/>
                         <a:cs typeface="Times New Roman" panose="02020603050405020304" pitchFamily="18" charset="0"/>
                       </a:rPr>
                       <m:t>𝒛</m:t>
                     </m:r>
                     <m:r>
-                      <a:rPr lang="en-US" sz="2000" b="1" i="1" dirty="0" smtClean="0">
+                      <a:rPr lang="en-US" sz="2000" b="1" i="1" dirty="0">
                         <a:latin typeface="Cambria Math" panose="02040503050406030204" pitchFamily="18" charset="0"/>
                         <a:cs typeface="Times New Roman" panose="02020603050405020304" pitchFamily="18" charset="0"/>
                       </a:rPr>
                       <m:t>,</m:t>
                     </m:r>
                     <m:r>
-                      <a:rPr lang="en-US" sz="2000" b="1" i="1" dirty="0" smtClean="0">
+                      <a:rPr lang="en-US" sz="2000" b="1" i="1" dirty="0">
                         <a:latin typeface="Cambria Math" panose="02040503050406030204" pitchFamily="18" charset="0"/>
                         <a:cs typeface="Times New Roman" panose="02020603050405020304" pitchFamily="18" charset="0"/>
                       </a:rPr>
                       <m:t>𝒚</m:t>
                     </m:r>
                     <m:r>
-                      <a:rPr lang="en-US" sz="2000" b="1" i="1" dirty="0" smtClean="0">
+                      <a:rPr lang="en-US" sz="2000" b="1" i="1" dirty="0">
                         <a:latin typeface="Cambria Math" panose="02040503050406030204" pitchFamily="18" charset="0"/>
                         <a:cs typeface="Times New Roman" panose="02020603050405020304" pitchFamily="18" charset="0"/>
                       </a:rPr>
@@ -3811,7 +3478,7 @@
             </p:nvSpPr>
             <p:spPr>
               <a:xfrm>
-                <a:off x="2261523" y="-17724"/>
+                <a:off x="2142107" y="-35939"/>
                 <a:ext cx="11372850" cy="450380"/>
               </a:xfrm>
               <a:prstGeom prst="rect">
@@ -3820,7 +3487,7 @@
               <a:blipFill>
                 <a:blip r:embed="rId5"/>
                 <a:stretch>
-                  <a:fillRect b="-8108"/>
+                  <a:fillRect b="-11111"/>
                 </a:stretch>
               </a:blipFill>
             </p:spPr>
@@ -3839,8 +3506,8 @@
           </p:sp>
         </mc:Fallback>
       </mc:AlternateContent>
-      <mc:AlternateContent xmlns:mc="http://schemas.openxmlformats.org/markup-compatibility/2006" xmlns:a14="http://schemas.microsoft.com/office/drawing/2010/main">
-        <mc:Choice Requires="a14">
+      <mc:AlternateContent xmlns:mc="http://schemas.openxmlformats.org/markup-compatibility/2006">
+        <mc:Choice xmlns:a14="http://schemas.microsoft.com/office/drawing/2010/main" Requires="a14">
           <p:sp>
             <p:nvSpPr>
               <p:cNvPr id="17" name="TextBox 16">
@@ -3879,7 +3546,7 @@
                       <m:sSub>
                         <m:sSubPr>
                           <m:ctrlPr>
-                            <a:rPr lang="en-US" sz="2007" b="1" i="1" dirty="0" smtClean="0">
+                            <a:rPr lang="en-US" sz="2007" b="1" i="1" dirty="0">
                               <a:latin typeface="Cambria Math" panose="02040503050406030204" pitchFamily="18" charset="0"/>
                               <a:cs typeface="Times New Roman" panose="02020603050405020304" pitchFamily="18" charset="0"/>
                             </a:rPr>
@@ -3943,7 +3610,7 @@
             </p:txBody>
           </p:sp>
         </mc:Choice>
-        <mc:Fallback xmlns="">
+        <mc:Fallback>
           <p:sp>
             <p:nvSpPr>
               <p:cNvPr id="17" name="TextBox 16">
@@ -3967,7 +3634,7 @@
                 <a:avLst/>
               </a:prstGeom>
               <a:blipFill>
-                <a:blip r:embed="rId9"/>
+                <a:blip r:embed="rId6"/>
                 <a:stretch>
                   <a:fillRect b="-11429"/>
                 </a:stretch>
@@ -3988,8 +3655,8 @@
           </p:sp>
         </mc:Fallback>
       </mc:AlternateContent>
-      <mc:AlternateContent xmlns:mc="http://schemas.openxmlformats.org/markup-compatibility/2006" xmlns:a14="http://schemas.microsoft.com/office/drawing/2010/main">
-        <mc:Choice Requires="a14">
+      <mc:AlternateContent xmlns:mc="http://schemas.openxmlformats.org/markup-compatibility/2006">
+        <mc:Choice xmlns:a14="http://schemas.microsoft.com/office/drawing/2010/main" Requires="a14">
           <p:sp>
             <p:nvSpPr>
               <p:cNvPr id="18" name="TextBox 17">
@@ -4092,7 +3759,7 @@
             </p:txBody>
           </p:sp>
         </mc:Choice>
-        <mc:Fallback xmlns="">
+        <mc:Fallback>
           <p:sp>
             <p:nvSpPr>
               <p:cNvPr id="18" name="TextBox 17">
@@ -4116,7 +3783,7 @@
                 <a:avLst/>
               </a:prstGeom>
               <a:blipFill>
-                <a:blip r:embed="rId10"/>
+                <a:blip r:embed="rId7"/>
                 <a:stretch>
                   <a:fillRect b="-11765"/>
                 </a:stretch>
@@ -4137,8 +3804,8 @@
           </p:sp>
         </mc:Fallback>
       </mc:AlternateContent>
-      <mc:AlternateContent xmlns:mc="http://schemas.openxmlformats.org/markup-compatibility/2006" xmlns:a14="http://schemas.microsoft.com/office/drawing/2010/main">
-        <mc:Choice Requires="a14">
+      <mc:AlternateContent xmlns:mc="http://schemas.openxmlformats.org/markup-compatibility/2006">
+        <mc:Choice xmlns:a14="http://schemas.microsoft.com/office/drawing/2010/main" Requires="a14">
           <p:sp>
             <p:nvSpPr>
               <p:cNvPr id="19" name="TextBox 18">
@@ -4241,7 +3908,7 @@
             </p:txBody>
           </p:sp>
         </mc:Choice>
-        <mc:Fallback xmlns="">
+        <mc:Fallback>
           <p:sp>
             <p:nvSpPr>
               <p:cNvPr id="19" name="TextBox 18">
@@ -4265,7 +3932,7 @@
                 <a:avLst/>
               </a:prstGeom>
               <a:blipFill>
-                <a:blip r:embed="rId11"/>
+                <a:blip r:embed="rId8"/>
                 <a:stretch>
                   <a:fillRect b="-11429"/>
                 </a:stretch>
@@ -4301,14 +3968,14 @@
           <p:nvPr/>
         </p:nvPicPr>
         <p:blipFill>
-          <a:blip r:embed="rId12"/>
+          <a:blip r:embed="rId9"/>
           <a:stretch>
             <a:fillRect/>
           </a:stretch>
         </p:blipFill>
         <p:spPr>
           <a:xfrm>
-            <a:off x="1554480" y="4681728"/>
+            <a:off x="1554484" y="4681728"/>
             <a:ext cx="2575837" cy="2194560"/>
           </a:xfrm>
           <a:prstGeom prst="rect">
@@ -4331,14 +3998,14 @@
           <p:nvPr/>
         </p:nvPicPr>
         <p:blipFill>
-          <a:blip r:embed="rId13"/>
+          <a:blip r:embed="rId10"/>
           <a:stretch>
             <a:fillRect/>
           </a:stretch>
         </p:blipFill>
         <p:spPr>
           <a:xfrm>
-            <a:off x="1554480" y="2514600"/>
+            <a:off x="1554484" y="2514600"/>
             <a:ext cx="2575837" cy="2194560"/>
           </a:xfrm>
           <a:prstGeom prst="rect">
@@ -4361,14 +4028,14 @@
           <p:nvPr/>
         </p:nvPicPr>
         <p:blipFill>
-          <a:blip r:embed="rId14"/>
+          <a:blip r:embed="rId11"/>
           <a:stretch>
             <a:fillRect/>
           </a:stretch>
         </p:blipFill>
         <p:spPr>
           <a:xfrm>
-            <a:off x="1554480" y="347472"/>
+            <a:off x="1554484" y="347472"/>
             <a:ext cx="2575837" cy="2194560"/>
           </a:xfrm>
           <a:prstGeom prst="rect">
@@ -4391,7 +4058,7 @@
           <p:nvPr/>
         </p:nvPicPr>
         <p:blipFill>
-          <a:blip r:embed="rId15"/>
+          <a:blip r:embed="rId12"/>
           <a:stretch>
             <a:fillRect/>
           </a:stretch>
@@ -4421,7 +4088,7 @@
           <p:nvPr/>
         </p:nvPicPr>
         <p:blipFill>
-          <a:blip r:embed="rId16"/>
+          <a:blip r:embed="rId13"/>
           <a:stretch>
             <a:fillRect/>
           </a:stretch>
@@ -4451,7 +4118,7 @@
           <p:nvPr/>
         </p:nvPicPr>
         <p:blipFill>
-          <a:blip r:embed="rId17"/>
+          <a:blip r:embed="rId14"/>
           <a:stretch>
             <a:fillRect/>
           </a:stretch>
@@ -4481,14 +4148,14 @@
           <p:nvPr/>
         </p:nvPicPr>
         <p:blipFill>
-          <a:blip r:embed="rId18"/>
+          <a:blip r:embed="rId15"/>
           <a:stretch>
             <a:fillRect/>
           </a:stretch>
         </p:blipFill>
         <p:spPr>
           <a:xfrm>
-            <a:off x="9141465" y="374904"/>
+            <a:off x="9141469" y="374905"/>
             <a:ext cx="3019005" cy="2113719"/>
           </a:xfrm>
           <a:prstGeom prst="rect">
@@ -4511,14 +4178,14 @@
           <p:nvPr/>
         </p:nvPicPr>
         <p:blipFill>
-          <a:blip r:embed="rId19"/>
+          <a:blip r:embed="rId16"/>
           <a:stretch>
             <a:fillRect/>
           </a:stretch>
         </p:blipFill>
         <p:spPr>
           <a:xfrm>
-            <a:off x="9133853" y="2542032"/>
+            <a:off x="9133853" y="2542036"/>
             <a:ext cx="3019006" cy="2113719"/>
           </a:xfrm>
           <a:prstGeom prst="rect">
@@ -4541,7 +4208,7 @@
           <p:nvPr/>
         </p:nvPicPr>
         <p:blipFill>
-          <a:blip r:embed="rId20"/>
+          <a:blip r:embed="rId17"/>
           <a:stretch>
             <a:fillRect/>
           </a:stretch>
@@ -4588,6 +4255,1015 @@
       </p:grpSpPr>
       <p:pic>
         <p:nvPicPr>
+          <p:cNvPr id="11" name="Picture 10" descr="Chart&#10;&#10;Description automatically generated">
+            <a:extLst>
+              <a:ext uri="{FF2B5EF4-FFF2-40B4-BE49-F238E27FC236}">
+                <a16:creationId xmlns:a16="http://schemas.microsoft.com/office/drawing/2014/main" id="{DD18606D-F36E-4F7B-192B-5BB7C7CB9303}"/>
+              </a:ext>
+            </a:extLst>
+          </p:cNvPr>
+          <p:cNvPicPr>
+            <a:picLocks noChangeAspect="1"/>
+          </p:cNvPicPr>
+          <p:nvPr/>
+        </p:nvPicPr>
+        <p:blipFill>
+          <a:blip r:embed="rId2"/>
+          <a:stretch>
+            <a:fillRect/>
+          </a:stretch>
+        </p:blipFill>
+        <p:spPr>
+          <a:xfrm>
+            <a:off x="6757971" y="3565630"/>
+            <a:ext cx="2414447" cy="2194560"/>
+          </a:xfrm>
+          <a:prstGeom prst="rect">
+            <a:avLst/>
+          </a:prstGeom>
+        </p:spPr>
+      </p:pic>
+      <p:pic>
+        <p:nvPicPr>
+          <p:cNvPr id="13" name="Picture 12" descr="Chart, surface chart&#10;&#10;Description automatically generated">
+            <a:extLst>
+              <a:ext uri="{FF2B5EF4-FFF2-40B4-BE49-F238E27FC236}">
+                <a16:creationId xmlns:a16="http://schemas.microsoft.com/office/drawing/2014/main" id="{DFC1FD84-0823-DCB9-1786-0A8910D20957}"/>
+              </a:ext>
+            </a:extLst>
+          </p:cNvPr>
+          <p:cNvPicPr>
+            <a:picLocks noChangeAspect="1"/>
+          </p:cNvPicPr>
+          <p:nvPr/>
+        </p:nvPicPr>
+        <p:blipFill>
+          <a:blip r:embed="rId3"/>
+          <a:stretch>
+            <a:fillRect/>
+          </a:stretch>
+        </p:blipFill>
+        <p:spPr>
+          <a:xfrm>
+            <a:off x="6727335" y="1440542"/>
+            <a:ext cx="2414447" cy="2194560"/>
+          </a:xfrm>
+          <a:prstGeom prst="rect">
+            <a:avLst/>
+          </a:prstGeom>
+        </p:spPr>
+      </p:pic>
+      <mc:AlternateContent xmlns:mc="http://schemas.openxmlformats.org/markup-compatibility/2006">
+        <mc:Choice xmlns:a14="http://schemas.microsoft.com/office/drawing/2010/main" Requires="a14">
+          <p:sp>
+            <p:nvSpPr>
+              <p:cNvPr id="16" name="TextBox 15">
+                <a:extLst>
+                  <a:ext uri="{FF2B5EF4-FFF2-40B4-BE49-F238E27FC236}">
+                    <a16:creationId xmlns:a16="http://schemas.microsoft.com/office/drawing/2014/main" id="{5DDAC526-33D1-9128-0407-DAD42100A9B1}"/>
+                  </a:ext>
+                </a:extLst>
+              </p:cNvPr>
+              <p:cNvSpPr txBox="1"/>
+              <p:nvPr/>
+            </p:nvSpPr>
+            <p:spPr>
+              <a:xfrm>
+                <a:off x="2261523" y="1033306"/>
+                <a:ext cx="11372850" cy="450380"/>
+              </a:xfrm>
+              <a:prstGeom prst="rect">
+                <a:avLst/>
+              </a:prstGeom>
+              <a:noFill/>
+            </p:spPr>
+            <p:txBody>
+              <a:bodyPr wrap="square" rtlCol="0">
+                <a:spAutoFit/>
+              </a:bodyPr>
+              <a:lstStyle/>
+              <a:p>
+                <a:r>
+                  <a:rPr lang="en-US" sz="2000" b="1" dirty="0"/>
+                  <a:t> </a:t>
+                </a:r>
+                <a14:m>
+                  <m:oMath xmlns:m="http://schemas.openxmlformats.org/officeDocument/2006/math">
+                    <m:sSub>
+                      <m:sSubPr>
+                        <m:ctrlPr>
+                          <a:rPr lang="en-US" sz="2000" b="1" i="1" dirty="0">
+                            <a:latin typeface="Cambria Math" panose="02040503050406030204" pitchFamily="18" charset="0"/>
+                          </a:rPr>
+                        </m:ctrlPr>
+                      </m:sSubPr>
+                      <m:e>
+                        <m:r>
+                          <a:rPr lang="en-US" sz="2000" b="1" dirty="0">
+                            <a:latin typeface="Cambria Math" panose="02040503050406030204" pitchFamily="18" charset="0"/>
+                          </a:rPr>
+                          <m:t>𝐥𝐨𝐠</m:t>
+                        </m:r>
+                        <m:r>
+                          <a:rPr lang="en-US" sz="2000" b="1" dirty="0">
+                            <a:latin typeface="Cambria Math" panose="02040503050406030204" pitchFamily="18" charset="0"/>
+                          </a:rPr>
+                          <m:t> (</m:t>
+                        </m:r>
+                        <m:r>
+                          <a:rPr lang="en-US" sz="2000" b="1" i="1" dirty="0">
+                            <a:latin typeface="Cambria Math" panose="02040503050406030204" pitchFamily="18" charset="0"/>
+                          </a:rPr>
+                          <m:t>𝑭</m:t>
+                        </m:r>
+                      </m:e>
+                      <m:sub>
+                        <m:r>
+                          <a:rPr lang="en-US" sz="2000" b="1" dirty="0">
+                            <a:latin typeface="Cambria Math" panose="02040503050406030204" pitchFamily="18" charset="0"/>
+                          </a:rPr>
+                          <m:t>𝐢</m:t>
+                        </m:r>
+                      </m:sub>
+                    </m:sSub>
+                    <m:d>
+                      <m:dPr>
+                        <m:ctrlPr>
+                          <a:rPr lang="en-US" sz="2000" b="1" i="1" dirty="0">
+                            <a:latin typeface="Cambria Math" panose="02040503050406030204" pitchFamily="18" charset="0"/>
+                          </a:rPr>
+                        </m:ctrlPr>
+                      </m:dPr>
+                      <m:e>
+                        <m:sSub>
+                          <m:sSubPr>
+                            <m:ctrlPr>
+                              <a:rPr lang="en-US" sz="2000" b="1" i="1" dirty="0" smtClean="0">
+                                <a:latin typeface="Cambria Math" panose="02040503050406030204" pitchFamily="18" charset="0"/>
+                              </a:rPr>
+                            </m:ctrlPr>
+                          </m:sSubPr>
+                          <m:e>
+                            <m:r>
+                              <a:rPr lang="en-US" sz="2000" b="1" i="1" dirty="0" smtClean="0">
+                                <a:latin typeface="Cambria Math" panose="02040503050406030204" pitchFamily="18" charset="0"/>
+                              </a:rPr>
+                              <m:t>𝒗</m:t>
+                            </m:r>
+                          </m:e>
+                          <m:sub>
+                            <m:r>
+                              <a:rPr lang="en-US" sz="2000" b="1" i="1" dirty="0" smtClean="0">
+                                <a:latin typeface="Cambria Math" panose="02040503050406030204" pitchFamily="18" charset="0"/>
+                              </a:rPr>
+                              <m:t>𝒛</m:t>
+                            </m:r>
+                          </m:sub>
+                        </m:sSub>
+                        <m:r>
+                          <a:rPr lang="en-US" sz="2000" b="1" i="1" dirty="0" err="1">
+                            <a:latin typeface="Cambria Math" panose="02040503050406030204" pitchFamily="18" charset="0"/>
+                          </a:rPr>
+                          <m:t>,</m:t>
+                        </m:r>
+                        <m:sSub>
+                          <m:sSubPr>
+                            <m:ctrlPr>
+                              <a:rPr lang="en-US" sz="2000" b="1" i="1" dirty="0" err="1">
+                                <a:latin typeface="Cambria Math" panose="02040503050406030204" pitchFamily="18" charset="0"/>
+                              </a:rPr>
+                            </m:ctrlPr>
+                          </m:sSubPr>
+                          <m:e>
+                            <m:r>
+                              <a:rPr lang="en-US" sz="2000" b="1" i="1" dirty="0" err="1">
+                                <a:latin typeface="Cambria Math" panose="02040503050406030204" pitchFamily="18" charset="0"/>
+                              </a:rPr>
+                              <m:t>𝒗</m:t>
+                            </m:r>
+                          </m:e>
+                          <m:sub>
+                            <m:r>
+                              <a:rPr lang="en-US" sz="2000" b="1" i="1" dirty="0" smtClean="0">
+                                <a:latin typeface="Cambria Math" panose="02040503050406030204" pitchFamily="18" charset="0"/>
+                              </a:rPr>
+                              <m:t>𝒚</m:t>
+                            </m:r>
+                          </m:sub>
+                        </m:sSub>
+                      </m:e>
+                    </m:d>
+                    <m:r>
+                      <a:rPr lang="en-US" sz="2000" b="1" i="1" dirty="0">
+                        <a:latin typeface="Cambria Math" panose="02040503050406030204" pitchFamily="18" charset="0"/>
+                      </a:rPr>
+                      <m:t>)</m:t>
+                    </m:r>
+                  </m:oMath>
+                </a14:m>
+                <a:r>
+                  <a:rPr lang="en-US" sz="2000" b="1" dirty="0"/>
+                  <a:t>                    </a:t>
+                </a:r>
+                <a14:m>
+                  <m:oMath xmlns:m="http://schemas.openxmlformats.org/officeDocument/2006/math">
+                    <m:sSub>
+                      <m:sSubPr>
+                        <m:ctrlPr>
+                          <a:rPr lang="en-US" sz="2000" b="1" i="1" dirty="0">
+                            <a:latin typeface="Cambria Math" panose="02040503050406030204" pitchFamily="18" charset="0"/>
+                          </a:rPr>
+                        </m:ctrlPr>
+                      </m:sSubPr>
+                      <m:e>
+                        <m:r>
+                          <a:rPr lang="en-US" sz="2000" b="1" i="1" dirty="0">
+                            <a:latin typeface="Cambria Math" panose="02040503050406030204" pitchFamily="18" charset="0"/>
+                          </a:rPr>
+                          <m:t>𝑭</m:t>
+                        </m:r>
+                      </m:e>
+                      <m:sub>
+                        <m:r>
+                          <a:rPr lang="en-US" sz="2000" b="1" dirty="0">
+                            <a:latin typeface="Cambria Math" panose="02040503050406030204" pitchFamily="18" charset="0"/>
+                          </a:rPr>
+                          <m:t>𝐞</m:t>
+                        </m:r>
+                      </m:sub>
+                    </m:sSub>
+                    <m:d>
+                      <m:dPr>
+                        <m:ctrlPr>
+                          <a:rPr lang="en-US" sz="2000" b="1" i="1" dirty="0">
+                            <a:latin typeface="Cambria Math" panose="02040503050406030204" pitchFamily="18" charset="0"/>
+                          </a:rPr>
+                        </m:ctrlPr>
+                      </m:dPr>
+                      <m:e>
+                        <m:sSub>
+                          <m:sSubPr>
+                            <m:ctrlPr>
+                              <a:rPr lang="en-US" sz="2000" b="1" i="1" dirty="0">
+                                <a:latin typeface="Cambria Math" panose="02040503050406030204" pitchFamily="18" charset="0"/>
+                              </a:rPr>
+                            </m:ctrlPr>
+                          </m:sSubPr>
+                          <m:e>
+                            <m:r>
+                              <a:rPr lang="en-US" sz="2000" b="1" i="1" dirty="0">
+                                <a:latin typeface="Cambria Math" panose="02040503050406030204" pitchFamily="18" charset="0"/>
+                              </a:rPr>
+                              <m:t>𝒗</m:t>
+                            </m:r>
+                          </m:e>
+                          <m:sub>
+                            <m:r>
+                              <a:rPr lang="en-US" sz="2000" b="1" i="1" dirty="0" err="1">
+                                <a:latin typeface="Cambria Math" panose="02040503050406030204" pitchFamily="18" charset="0"/>
+                              </a:rPr>
+                              <m:t>𝒛</m:t>
+                            </m:r>
+                          </m:sub>
+                        </m:sSub>
+                        <m:r>
+                          <a:rPr lang="en-US" sz="2000" b="1" i="1" dirty="0" err="1">
+                            <a:latin typeface="Cambria Math" panose="02040503050406030204" pitchFamily="18" charset="0"/>
+                          </a:rPr>
+                          <m:t>,</m:t>
+                        </m:r>
+                        <m:sSub>
+                          <m:sSubPr>
+                            <m:ctrlPr>
+                              <a:rPr lang="en-US" sz="2000" b="1" i="1" dirty="0" err="1">
+                                <a:latin typeface="Cambria Math" panose="02040503050406030204" pitchFamily="18" charset="0"/>
+                              </a:rPr>
+                            </m:ctrlPr>
+                          </m:sSubPr>
+                          <m:e>
+                            <m:r>
+                              <a:rPr lang="en-US" sz="2000" b="1" i="1" dirty="0" err="1">
+                                <a:latin typeface="Cambria Math" panose="02040503050406030204" pitchFamily="18" charset="0"/>
+                              </a:rPr>
+                              <m:t>𝒗</m:t>
+                            </m:r>
+                          </m:e>
+                          <m:sub>
+                            <m:r>
+                              <a:rPr lang="en-US" sz="2000" b="1" i="1" dirty="0">
+                                <a:latin typeface="Cambria Math" panose="02040503050406030204" pitchFamily="18" charset="0"/>
+                              </a:rPr>
+                              <m:t>𝒚</m:t>
+                            </m:r>
+                          </m:sub>
+                        </m:sSub>
+                      </m:e>
+                    </m:d>
+                  </m:oMath>
+                </a14:m>
+                <a:r>
+                  <a:rPr lang="en-US" sz="2000" b="1" dirty="0">
+                    <a:latin typeface="Times New Roman" panose="02020603050405020304" pitchFamily="18" charset="0"/>
+                    <a:cs typeface="Times New Roman" panose="02020603050405020304" pitchFamily="18" charset="0"/>
+                  </a:rPr>
+                  <a:t>                      </a:t>
+                </a:r>
+                <a14:m>
+                  <m:oMath xmlns:m="http://schemas.openxmlformats.org/officeDocument/2006/math">
+                    <m:sSub>
+                      <m:sSubPr>
+                        <m:ctrlPr>
+                          <a:rPr lang="en-US" sz="2000" b="1" i="1" dirty="0">
+                            <a:latin typeface="Cambria Math" panose="02040503050406030204" pitchFamily="18" charset="0"/>
+                          </a:rPr>
+                        </m:ctrlPr>
+                      </m:sSubPr>
+                      <m:e>
+                        <m:r>
+                          <a:rPr lang="en-US" sz="2000" b="1" i="1" dirty="0">
+                            <a:latin typeface="Cambria Math" panose="02040503050406030204" pitchFamily="18" charset="0"/>
+                          </a:rPr>
+                          <m:t>𝑭</m:t>
+                        </m:r>
+                      </m:e>
+                      <m:sub>
+                        <m:r>
+                          <a:rPr lang="en-US" sz="2000" b="1" dirty="0">
+                            <a:latin typeface="Cambria Math" panose="02040503050406030204" pitchFamily="18" charset="0"/>
+                          </a:rPr>
+                          <m:t>𝐞</m:t>
+                        </m:r>
+                      </m:sub>
+                    </m:sSub>
+                    <m:d>
+                      <m:dPr>
+                        <m:ctrlPr>
+                          <a:rPr lang="en-US" sz="2000" b="1" i="1" dirty="0">
+                            <a:latin typeface="Cambria Math" panose="02040503050406030204" pitchFamily="18" charset="0"/>
+                          </a:rPr>
+                        </m:ctrlPr>
+                      </m:dPr>
+                      <m:e>
+                        <m:r>
+                          <a:rPr lang="en-US" sz="2000" b="1" i="1" dirty="0">
+                            <a:latin typeface="Cambria Math" panose="02040503050406030204" pitchFamily="18" charset="0"/>
+                          </a:rPr>
+                          <m:t>𝒛</m:t>
+                        </m:r>
+                        <m:r>
+                          <a:rPr lang="en-US" sz="2000" b="1" i="1" dirty="0" err="1">
+                            <a:latin typeface="Cambria Math" panose="02040503050406030204" pitchFamily="18" charset="0"/>
+                          </a:rPr>
+                          <m:t>,</m:t>
+                        </m:r>
+                        <m:sSub>
+                          <m:sSubPr>
+                            <m:ctrlPr>
+                              <a:rPr lang="en-US" sz="2000" b="1" i="1" dirty="0" err="1">
+                                <a:latin typeface="Cambria Math" panose="02040503050406030204" pitchFamily="18" charset="0"/>
+                              </a:rPr>
+                            </m:ctrlPr>
+                          </m:sSubPr>
+                          <m:e>
+                            <m:r>
+                              <a:rPr lang="en-US" sz="2000" b="1" i="1" dirty="0" err="1">
+                                <a:latin typeface="Cambria Math" panose="02040503050406030204" pitchFamily="18" charset="0"/>
+                              </a:rPr>
+                              <m:t>𝒗</m:t>
+                            </m:r>
+                          </m:e>
+                          <m:sub>
+                            <m:r>
+                              <a:rPr lang="en-US" sz="2000" b="1" i="1" dirty="0">
+                                <a:latin typeface="Cambria Math" panose="02040503050406030204" pitchFamily="18" charset="0"/>
+                              </a:rPr>
+                              <m:t>𝒛</m:t>
+                            </m:r>
+                          </m:sub>
+                        </m:sSub>
+                      </m:e>
+                    </m:d>
+                  </m:oMath>
+                </a14:m>
+                <a:r>
+                  <a:rPr lang="en-US" sz="2000" b="1" dirty="0">
+                    <a:latin typeface="Times New Roman" panose="02020603050405020304" pitchFamily="18" charset="0"/>
+                    <a:cs typeface="Times New Roman" panose="02020603050405020304" pitchFamily="18" charset="0"/>
+                  </a:rPr>
+                  <a:t>                             </a:t>
+                </a:r>
+                <a14:m>
+                  <m:oMath xmlns:m="http://schemas.openxmlformats.org/officeDocument/2006/math">
+                    <m:r>
+                      <a:rPr lang="en-US" sz="2000" b="1" i="1" dirty="0">
+                        <a:latin typeface="Cambria Math" panose="02040503050406030204" pitchFamily="18" charset="0"/>
+                        <a:cs typeface="Times New Roman" panose="02020603050405020304" pitchFamily="18" charset="0"/>
+                      </a:rPr>
+                      <m:t>𝝋</m:t>
+                    </m:r>
+                    <m:r>
+                      <a:rPr lang="en-US" sz="2000" b="1" i="1" dirty="0">
+                        <a:latin typeface="Cambria Math" panose="02040503050406030204" pitchFamily="18" charset="0"/>
+                        <a:cs typeface="Times New Roman" panose="02020603050405020304" pitchFamily="18" charset="0"/>
+                      </a:rPr>
+                      <m:t>(</m:t>
+                    </m:r>
+                    <m:r>
+                      <a:rPr lang="en-US" sz="2000" b="1" i="1" dirty="0">
+                        <a:latin typeface="Cambria Math" panose="02040503050406030204" pitchFamily="18" charset="0"/>
+                        <a:cs typeface="Times New Roman" panose="02020603050405020304" pitchFamily="18" charset="0"/>
+                      </a:rPr>
+                      <m:t>𝒛</m:t>
+                    </m:r>
+                    <m:r>
+                      <a:rPr lang="en-US" sz="2000" b="1" i="1" dirty="0">
+                        <a:latin typeface="Cambria Math" panose="02040503050406030204" pitchFamily="18" charset="0"/>
+                        <a:cs typeface="Times New Roman" panose="02020603050405020304" pitchFamily="18" charset="0"/>
+                      </a:rPr>
+                      <m:t>,</m:t>
+                    </m:r>
+                    <m:r>
+                      <a:rPr lang="en-US" sz="2000" b="1" i="1" dirty="0">
+                        <a:latin typeface="Cambria Math" panose="02040503050406030204" pitchFamily="18" charset="0"/>
+                        <a:cs typeface="Times New Roman" panose="02020603050405020304" pitchFamily="18" charset="0"/>
+                      </a:rPr>
+                      <m:t>𝒚</m:t>
+                    </m:r>
+                    <m:r>
+                      <a:rPr lang="en-US" sz="2000" b="1" i="1" dirty="0">
+                        <a:latin typeface="Cambria Math" panose="02040503050406030204" pitchFamily="18" charset="0"/>
+                        <a:cs typeface="Times New Roman" panose="02020603050405020304" pitchFamily="18" charset="0"/>
+                      </a:rPr>
+                      <m:t>)</m:t>
+                    </m:r>
+                  </m:oMath>
+                </a14:m>
+                <a:r>
+                  <a:rPr lang="en-US" sz="2000" b="1" dirty="0">
+                    <a:latin typeface="Times New Roman" panose="02020603050405020304" pitchFamily="18" charset="0"/>
+                    <a:cs typeface="Times New Roman" panose="02020603050405020304" pitchFamily="18" charset="0"/>
+                  </a:rPr>
+                  <a:t>                               </a:t>
+                </a:r>
+              </a:p>
+            </p:txBody>
+          </p:sp>
+        </mc:Choice>
+        <mc:Fallback>
+          <p:sp>
+            <p:nvSpPr>
+              <p:cNvPr id="16" name="TextBox 15">
+                <a:extLst>
+                  <a:ext uri="{FF2B5EF4-FFF2-40B4-BE49-F238E27FC236}">
+                    <a16:creationId xmlns:a16="http://schemas.microsoft.com/office/drawing/2014/main" id="{5DDAC526-33D1-9128-0407-DAD42100A9B1}"/>
+                  </a:ext>
+                </a:extLst>
+              </p:cNvPr>
+              <p:cNvSpPr txBox="1">
+                <a:spLocks noRot="1" noChangeAspect="1" noMove="1" noResize="1" noEditPoints="1" noAdjustHandles="1" noChangeArrowheads="1" noChangeShapeType="1" noTextEdit="1"/>
+              </p:cNvSpPr>
+              <p:nvPr/>
+            </p:nvSpPr>
+            <p:spPr>
+              <a:xfrm>
+                <a:off x="2261523" y="1033306"/>
+                <a:ext cx="11372850" cy="450380"/>
+              </a:xfrm>
+              <a:prstGeom prst="rect">
+                <a:avLst/>
+              </a:prstGeom>
+              <a:blipFill>
+                <a:blip r:embed="rId4"/>
+                <a:stretch>
+                  <a:fillRect b="-11111"/>
+                </a:stretch>
+              </a:blipFill>
+            </p:spPr>
+            <p:txBody>
+              <a:bodyPr/>
+              <a:lstStyle/>
+              <a:p>
+                <a:r>
+                  <a:rPr lang="en-US">
+                    <a:noFill/>
+                  </a:rPr>
+                  <a:t> </a:t>
+                </a:r>
+              </a:p>
+            </p:txBody>
+          </p:sp>
+        </mc:Fallback>
+      </mc:AlternateContent>
+      <mc:AlternateContent xmlns:mc="http://schemas.openxmlformats.org/markup-compatibility/2006">
+        <mc:Choice xmlns:a14="http://schemas.microsoft.com/office/drawing/2010/main" Requires="a14">
+          <p:sp>
+            <p:nvSpPr>
+              <p:cNvPr id="17" name="TextBox 16">
+                <a:extLst>
+                  <a:ext uri="{FF2B5EF4-FFF2-40B4-BE49-F238E27FC236}">
+                    <a16:creationId xmlns:a16="http://schemas.microsoft.com/office/drawing/2014/main" id="{AEE5079C-342C-E4F6-9B05-6A115A6B9BBD}"/>
+                  </a:ext>
+                </a:extLst>
+              </p:cNvPr>
+              <p:cNvSpPr txBox="1"/>
+              <p:nvPr/>
+            </p:nvSpPr>
+            <p:spPr>
+              <a:xfrm>
+                <a:off x="-504541" y="2191893"/>
+                <a:ext cx="2554976" cy="424668"/>
+              </a:xfrm>
+              <a:prstGeom prst="rect">
+                <a:avLst/>
+              </a:prstGeom>
+              <a:noFill/>
+            </p:spPr>
+            <p:txBody>
+              <a:bodyPr wrap="square" rtlCol="0">
+                <a:spAutoFit/>
+              </a:bodyPr>
+              <a:lstStyle/>
+              <a:p>
+                <a:pPr/>
+                <a14:m>
+                  <m:oMathPara xmlns:m="http://schemas.openxmlformats.org/officeDocument/2006/math">
+                    <m:oMathParaPr>
+                      <m:jc m:val="centerGroup"/>
+                    </m:oMathParaPr>
+                    <m:oMath xmlns:m="http://schemas.openxmlformats.org/officeDocument/2006/math">
+                      <m:sSub>
+                        <m:sSubPr>
+                          <m:ctrlPr>
+                            <a:rPr lang="en-US" sz="2007" b="1" i="1" dirty="0">
+                              <a:latin typeface="Cambria Math" panose="02040503050406030204" pitchFamily="18" charset="0"/>
+                              <a:cs typeface="Times New Roman" panose="02020603050405020304" pitchFamily="18" charset="0"/>
+                            </a:rPr>
+                          </m:ctrlPr>
+                        </m:sSubPr>
+                        <m:e>
+                          <m:r>
+                            <a:rPr lang="en-US" sz="2007" b="1" i="1" dirty="0">
+                              <a:latin typeface="Cambria Math" panose="02040503050406030204" pitchFamily="18" charset="0"/>
+                              <a:cs typeface="Times New Roman" panose="02020603050405020304" pitchFamily="18" charset="0"/>
+                            </a:rPr>
+                            <m:t>𝝎</m:t>
+                          </m:r>
+                        </m:e>
+                        <m:sub>
+                          <m:r>
+                            <a:rPr lang="en-US" sz="2007" b="1" i="1" dirty="0">
+                              <a:latin typeface="Cambria Math" panose="02040503050406030204" pitchFamily="18" charset="0"/>
+                              <a:cs typeface="Times New Roman" panose="02020603050405020304" pitchFamily="18" charset="0"/>
+                            </a:rPr>
+                            <m:t>𝒑𝒆</m:t>
+                          </m:r>
+                        </m:sub>
+                      </m:sSub>
+                      <m:r>
+                        <a:rPr lang="en-US" sz="2007" b="1" i="1" dirty="0">
+                          <a:latin typeface="Cambria Math" panose="02040503050406030204" pitchFamily="18" charset="0"/>
+                          <a:cs typeface="Times New Roman" panose="02020603050405020304" pitchFamily="18" charset="0"/>
+                        </a:rPr>
+                        <m:t>𝒕</m:t>
+                      </m:r>
+                      <m:r>
+                        <a:rPr lang="en-US" sz="2007" b="1" i="1" dirty="0">
+                          <a:latin typeface="Cambria Math" panose="02040503050406030204" pitchFamily="18" charset="0"/>
+                          <a:cs typeface="Times New Roman" panose="02020603050405020304" pitchFamily="18" charset="0"/>
+                        </a:rPr>
+                        <m:t> =</m:t>
+                      </m:r>
+                      <m:r>
+                        <a:rPr lang="en-US" sz="2007" b="1" i="1" dirty="0">
+                          <a:latin typeface="Cambria Math" panose="02040503050406030204" pitchFamily="18" charset="0"/>
+                          <a:cs typeface="Times New Roman" panose="02020603050405020304" pitchFamily="18" charset="0"/>
+                        </a:rPr>
+                        <m:t>𝟕𝟓𝟎</m:t>
+                      </m:r>
+                      <m:r>
+                        <a:rPr lang="en-US" sz="2007" b="1" i="1" dirty="0">
+                          <a:latin typeface="Cambria Math" panose="02040503050406030204" pitchFamily="18" charset="0"/>
+                          <a:cs typeface="Times New Roman" panose="02020603050405020304" pitchFamily="18" charset="0"/>
+                        </a:rPr>
+                        <m:t> </m:t>
+                      </m:r>
+                    </m:oMath>
+                  </m:oMathPara>
+                </a14:m>
+                <a:endParaRPr lang="en-US" sz="2677" b="1" dirty="0">
+                  <a:latin typeface="Times New Roman" panose="02020603050405020304" pitchFamily="18" charset="0"/>
+                  <a:cs typeface="Times New Roman" panose="02020603050405020304" pitchFamily="18" charset="0"/>
+                </a:endParaRPr>
+              </a:p>
+            </p:txBody>
+          </p:sp>
+        </mc:Choice>
+        <mc:Fallback>
+          <p:sp>
+            <p:nvSpPr>
+              <p:cNvPr id="17" name="TextBox 16">
+                <a:extLst>
+                  <a:ext uri="{FF2B5EF4-FFF2-40B4-BE49-F238E27FC236}">
+                    <a16:creationId xmlns:a16="http://schemas.microsoft.com/office/drawing/2014/main" id="{AEE5079C-342C-E4F6-9B05-6A115A6B9BBD}"/>
+                  </a:ext>
+                </a:extLst>
+              </p:cNvPr>
+              <p:cNvSpPr txBox="1">
+                <a:spLocks noRot="1" noChangeAspect="1" noMove="1" noResize="1" noEditPoints="1" noAdjustHandles="1" noChangeArrowheads="1" noChangeShapeType="1" noTextEdit="1"/>
+              </p:cNvSpPr>
+              <p:nvPr/>
+            </p:nvSpPr>
+            <p:spPr>
+              <a:xfrm>
+                <a:off x="-504541" y="2191893"/>
+                <a:ext cx="2554976" cy="424668"/>
+              </a:xfrm>
+              <a:prstGeom prst="rect">
+                <a:avLst/>
+              </a:prstGeom>
+              <a:blipFill>
+                <a:blip r:embed="rId5"/>
+                <a:stretch>
+                  <a:fillRect b="-11765"/>
+                </a:stretch>
+              </a:blipFill>
+            </p:spPr>
+            <p:txBody>
+              <a:bodyPr/>
+              <a:lstStyle/>
+              <a:p>
+                <a:r>
+                  <a:rPr lang="en-US">
+                    <a:noFill/>
+                  </a:rPr>
+                  <a:t> </a:t>
+                </a:r>
+              </a:p>
+            </p:txBody>
+          </p:sp>
+        </mc:Fallback>
+      </mc:AlternateContent>
+      <mc:AlternateContent xmlns:mc="http://schemas.openxmlformats.org/markup-compatibility/2006">
+        <mc:Choice xmlns:a14="http://schemas.microsoft.com/office/drawing/2010/main" Requires="a14">
+          <p:sp>
+            <p:nvSpPr>
+              <p:cNvPr id="18" name="TextBox 17">
+                <a:extLst>
+                  <a:ext uri="{FF2B5EF4-FFF2-40B4-BE49-F238E27FC236}">
+                    <a16:creationId xmlns:a16="http://schemas.microsoft.com/office/drawing/2014/main" id="{6D29FA83-903D-27DA-C68B-98CECC99FB86}"/>
+                  </a:ext>
+                </a:extLst>
+              </p:cNvPr>
+              <p:cNvSpPr txBox="1"/>
+              <p:nvPr/>
+            </p:nvSpPr>
+            <p:spPr>
+              <a:xfrm>
+                <a:off x="-470738" y="4251430"/>
+                <a:ext cx="2554976" cy="424668"/>
+              </a:xfrm>
+              <a:prstGeom prst="rect">
+                <a:avLst/>
+              </a:prstGeom>
+              <a:noFill/>
+            </p:spPr>
+            <p:txBody>
+              <a:bodyPr wrap="square" rtlCol="0">
+                <a:spAutoFit/>
+              </a:bodyPr>
+              <a:lstStyle/>
+              <a:p>
+                <a:pPr/>
+                <a14:m>
+                  <m:oMathPara xmlns:m="http://schemas.openxmlformats.org/officeDocument/2006/math">
+                    <m:oMathParaPr>
+                      <m:jc m:val="centerGroup"/>
+                    </m:oMathParaPr>
+                    <m:oMath xmlns:m="http://schemas.openxmlformats.org/officeDocument/2006/math">
+                      <m:sSub>
+                        <m:sSubPr>
+                          <m:ctrlPr>
+                            <a:rPr lang="en-US" sz="2007" b="1" i="1" dirty="0">
+                              <a:latin typeface="Cambria Math" panose="02040503050406030204" pitchFamily="18" charset="0"/>
+                              <a:cs typeface="Times New Roman" panose="02020603050405020304" pitchFamily="18" charset="0"/>
+                            </a:rPr>
+                          </m:ctrlPr>
+                        </m:sSubPr>
+                        <m:e>
+                          <m:r>
+                            <a:rPr lang="en-US" sz="2007" b="1" i="1" dirty="0">
+                              <a:latin typeface="Cambria Math" panose="02040503050406030204" pitchFamily="18" charset="0"/>
+                              <a:cs typeface="Times New Roman" panose="02020603050405020304" pitchFamily="18" charset="0"/>
+                            </a:rPr>
+                            <m:t>𝝎</m:t>
+                          </m:r>
+                        </m:e>
+                        <m:sub>
+                          <m:r>
+                            <a:rPr lang="en-US" sz="2007" b="1" i="1" dirty="0">
+                              <a:latin typeface="Cambria Math" panose="02040503050406030204" pitchFamily="18" charset="0"/>
+                              <a:cs typeface="Times New Roman" panose="02020603050405020304" pitchFamily="18" charset="0"/>
+                            </a:rPr>
+                            <m:t>𝒑𝒆</m:t>
+                          </m:r>
+                        </m:sub>
+                      </m:sSub>
+                      <m:r>
+                        <a:rPr lang="en-US" sz="2007" b="1" i="1" dirty="0">
+                          <a:latin typeface="Cambria Math" panose="02040503050406030204" pitchFamily="18" charset="0"/>
+                          <a:cs typeface="Times New Roman" panose="02020603050405020304" pitchFamily="18" charset="0"/>
+                        </a:rPr>
+                        <m:t>𝒕</m:t>
+                      </m:r>
+                      <m:r>
+                        <a:rPr lang="en-US" sz="2007" b="1" i="1" dirty="0">
+                          <a:latin typeface="Cambria Math" panose="02040503050406030204" pitchFamily="18" charset="0"/>
+                          <a:cs typeface="Times New Roman" panose="02020603050405020304" pitchFamily="18" charset="0"/>
+                        </a:rPr>
+                        <m:t> = </m:t>
+                      </m:r>
+                      <m:r>
+                        <a:rPr lang="en-US" sz="2007" b="1" i="1" dirty="0">
+                          <a:latin typeface="Cambria Math" panose="02040503050406030204" pitchFamily="18" charset="0"/>
+                          <a:cs typeface="Times New Roman" panose="02020603050405020304" pitchFamily="18" charset="0"/>
+                        </a:rPr>
+                        <m:t>𝟏𝟖𝟎𝟎</m:t>
+                      </m:r>
+                      <m:r>
+                        <a:rPr lang="en-US" sz="2007" b="1" i="1" dirty="0">
+                          <a:latin typeface="Cambria Math" panose="02040503050406030204" pitchFamily="18" charset="0"/>
+                          <a:cs typeface="Times New Roman" panose="02020603050405020304" pitchFamily="18" charset="0"/>
+                        </a:rPr>
+                        <m:t> </m:t>
+                      </m:r>
+                    </m:oMath>
+                  </m:oMathPara>
+                </a14:m>
+                <a:endParaRPr lang="en-US" sz="2677" b="1" dirty="0">
+                  <a:latin typeface="Times New Roman" panose="02020603050405020304" pitchFamily="18" charset="0"/>
+                  <a:cs typeface="Times New Roman" panose="02020603050405020304" pitchFamily="18" charset="0"/>
+                </a:endParaRPr>
+              </a:p>
+            </p:txBody>
+          </p:sp>
+        </mc:Choice>
+        <mc:Fallback>
+          <p:sp>
+            <p:nvSpPr>
+              <p:cNvPr id="18" name="TextBox 17">
+                <a:extLst>
+                  <a:ext uri="{FF2B5EF4-FFF2-40B4-BE49-F238E27FC236}">
+                    <a16:creationId xmlns:a16="http://schemas.microsoft.com/office/drawing/2014/main" id="{6D29FA83-903D-27DA-C68B-98CECC99FB86}"/>
+                  </a:ext>
+                </a:extLst>
+              </p:cNvPr>
+              <p:cNvSpPr txBox="1">
+                <a:spLocks noRot="1" noChangeAspect="1" noMove="1" noResize="1" noEditPoints="1" noAdjustHandles="1" noChangeArrowheads="1" noChangeShapeType="1" noTextEdit="1"/>
+              </p:cNvSpPr>
+              <p:nvPr/>
+            </p:nvSpPr>
+            <p:spPr>
+              <a:xfrm>
+                <a:off x="-470738" y="4251430"/>
+                <a:ext cx="2554976" cy="424668"/>
+              </a:xfrm>
+              <a:prstGeom prst="rect">
+                <a:avLst/>
+              </a:prstGeom>
+              <a:blipFill>
+                <a:blip r:embed="rId6"/>
+                <a:stretch>
+                  <a:fillRect b="-8571"/>
+                </a:stretch>
+              </a:blipFill>
+            </p:spPr>
+            <p:txBody>
+              <a:bodyPr/>
+              <a:lstStyle/>
+              <a:p>
+                <a:r>
+                  <a:rPr lang="en-US">
+                    <a:noFill/>
+                  </a:rPr>
+                  <a:t> </a:t>
+                </a:r>
+              </a:p>
+            </p:txBody>
+          </p:sp>
+        </mc:Fallback>
+      </mc:AlternateContent>
+      <p:pic>
+        <p:nvPicPr>
+          <p:cNvPr id="23" name="Picture 22" descr="Chart&#10;&#10;Description automatically generated">
+            <a:extLst>
+              <a:ext uri="{FF2B5EF4-FFF2-40B4-BE49-F238E27FC236}">
+                <a16:creationId xmlns:a16="http://schemas.microsoft.com/office/drawing/2014/main" id="{048230B9-900D-19DE-5E0C-E64537F26EF9}"/>
+              </a:ext>
+            </a:extLst>
+          </p:cNvPr>
+          <p:cNvPicPr>
+            <a:picLocks noChangeAspect="1"/>
+          </p:cNvPicPr>
+          <p:nvPr/>
+        </p:nvPicPr>
+        <p:blipFill>
+          <a:blip r:embed="rId7"/>
+          <a:stretch>
+            <a:fillRect/>
+          </a:stretch>
+        </p:blipFill>
+        <p:spPr>
+          <a:xfrm>
+            <a:off x="1554484" y="3565630"/>
+            <a:ext cx="2575837" cy="2194560"/>
+          </a:xfrm>
+          <a:prstGeom prst="rect">
+            <a:avLst/>
+          </a:prstGeom>
+        </p:spPr>
+      </p:pic>
+      <p:pic>
+        <p:nvPicPr>
+          <p:cNvPr id="25" name="Picture 24" descr="Chart, histogram&#10;&#10;Description automatically generated">
+            <a:extLst>
+              <a:ext uri="{FF2B5EF4-FFF2-40B4-BE49-F238E27FC236}">
+                <a16:creationId xmlns:a16="http://schemas.microsoft.com/office/drawing/2014/main" id="{82BB45AB-E3FD-DB5E-7CC4-3474D766F8D0}"/>
+              </a:ext>
+            </a:extLst>
+          </p:cNvPr>
+          <p:cNvPicPr>
+            <a:picLocks noChangeAspect="1"/>
+          </p:cNvPicPr>
+          <p:nvPr/>
+        </p:nvPicPr>
+        <p:blipFill>
+          <a:blip r:embed="rId8"/>
+          <a:stretch>
+            <a:fillRect/>
+          </a:stretch>
+        </p:blipFill>
+        <p:spPr>
+          <a:xfrm>
+            <a:off x="1554484" y="1398502"/>
+            <a:ext cx="2575837" cy="2194560"/>
+          </a:xfrm>
+          <a:prstGeom prst="rect">
+            <a:avLst/>
+          </a:prstGeom>
+        </p:spPr>
+      </p:pic>
+      <p:pic>
+        <p:nvPicPr>
+          <p:cNvPr id="29" name="Picture 28" descr="Chart, histogram&#10;&#10;Description automatically generated">
+            <a:extLst>
+              <a:ext uri="{FF2B5EF4-FFF2-40B4-BE49-F238E27FC236}">
+                <a16:creationId xmlns:a16="http://schemas.microsoft.com/office/drawing/2014/main" id="{ACFD9070-51C3-CAEF-6187-386749103F32}"/>
+              </a:ext>
+            </a:extLst>
+          </p:cNvPr>
+          <p:cNvPicPr>
+            <a:picLocks noChangeAspect="1"/>
+          </p:cNvPicPr>
+          <p:nvPr/>
+        </p:nvPicPr>
+        <p:blipFill>
+          <a:blip r:embed="rId9"/>
+          <a:stretch>
+            <a:fillRect/>
+          </a:stretch>
+        </p:blipFill>
+        <p:spPr>
+          <a:xfrm>
+            <a:off x="4242816" y="3565630"/>
+            <a:ext cx="2459122" cy="2194560"/>
+          </a:xfrm>
+          <a:prstGeom prst="rect">
+            <a:avLst/>
+          </a:prstGeom>
+        </p:spPr>
+      </p:pic>
+      <p:pic>
+        <p:nvPicPr>
+          <p:cNvPr id="31" name="Picture 30" descr="Chart, histogram&#10;&#10;Description automatically generated">
+            <a:extLst>
+              <a:ext uri="{FF2B5EF4-FFF2-40B4-BE49-F238E27FC236}">
+                <a16:creationId xmlns:a16="http://schemas.microsoft.com/office/drawing/2014/main" id="{8D7F18AC-1973-6783-93DB-8BB3C22A821B}"/>
+              </a:ext>
+            </a:extLst>
+          </p:cNvPr>
+          <p:cNvPicPr>
+            <a:picLocks noChangeAspect="1"/>
+          </p:cNvPicPr>
+          <p:nvPr/>
+        </p:nvPicPr>
+        <p:blipFill>
+          <a:blip r:embed="rId10"/>
+          <a:stretch>
+            <a:fillRect/>
+          </a:stretch>
+        </p:blipFill>
+        <p:spPr>
+          <a:xfrm>
+            <a:off x="4242816" y="1398502"/>
+            <a:ext cx="2459122" cy="2194560"/>
+          </a:xfrm>
+          <a:prstGeom prst="rect">
+            <a:avLst/>
+          </a:prstGeom>
+        </p:spPr>
+      </p:pic>
+      <p:pic>
+        <p:nvPicPr>
+          <p:cNvPr id="3" name="Picture 2" descr="A picture containing chart&#10;&#10;Description automatically generated">
+            <a:extLst>
+              <a:ext uri="{FF2B5EF4-FFF2-40B4-BE49-F238E27FC236}">
+                <a16:creationId xmlns:a16="http://schemas.microsoft.com/office/drawing/2014/main" id="{FD280AB8-E978-5F4F-8ECC-F19CAB499FD8}"/>
+              </a:ext>
+            </a:extLst>
+          </p:cNvPr>
+          <p:cNvPicPr>
+            <a:picLocks noChangeAspect="1"/>
+          </p:cNvPicPr>
+          <p:nvPr/>
+        </p:nvPicPr>
+        <p:blipFill>
+          <a:blip r:embed="rId11"/>
+          <a:stretch>
+            <a:fillRect/>
+          </a:stretch>
+        </p:blipFill>
+        <p:spPr>
+          <a:xfrm>
+            <a:off x="9141469" y="1467977"/>
+            <a:ext cx="3019005" cy="2113719"/>
+          </a:xfrm>
+          <a:prstGeom prst="rect">
+            <a:avLst/>
+          </a:prstGeom>
+        </p:spPr>
+      </p:pic>
+      <p:pic>
+        <p:nvPicPr>
+          <p:cNvPr id="6" name="Picture 5" descr="A picture containing background pattern&#10;&#10;Description automatically generated">
+            <a:extLst>
+              <a:ext uri="{FF2B5EF4-FFF2-40B4-BE49-F238E27FC236}">
+                <a16:creationId xmlns:a16="http://schemas.microsoft.com/office/drawing/2014/main" id="{8D991A84-BD1B-D0CD-ACD4-426A65D5D2DB}"/>
+              </a:ext>
+            </a:extLst>
+          </p:cNvPr>
+          <p:cNvPicPr>
+            <a:picLocks noChangeAspect="1"/>
+          </p:cNvPicPr>
+          <p:nvPr/>
+        </p:nvPicPr>
+        <p:blipFill>
+          <a:blip r:embed="rId12"/>
+          <a:stretch>
+            <a:fillRect/>
+          </a:stretch>
+        </p:blipFill>
+        <p:spPr>
+          <a:xfrm>
+            <a:off x="9165383" y="3635106"/>
+            <a:ext cx="3019006" cy="2113719"/>
+          </a:xfrm>
+          <a:prstGeom prst="rect">
+            <a:avLst/>
+          </a:prstGeom>
+        </p:spPr>
+      </p:pic>
+    </p:spTree>
+    <p:extLst>
+      <p:ext uri="{BB962C8B-B14F-4D97-AF65-F5344CB8AC3E}">
+        <p14:creationId xmlns:p14="http://schemas.microsoft.com/office/powerpoint/2010/main" val="1398963569"/>
+      </p:ext>
+    </p:extLst>
+  </p:cSld>
+  <p:clrMapOvr>
+    <a:masterClrMapping/>
+  </p:clrMapOvr>
+</p:sld>
+</file>
+
+<file path=ppt/slides/slide3.xml><?xml version="1.0" encoding="utf-8"?>
+<p:sld xmlns:a="http://schemas.openxmlformats.org/drawingml/2006/main" xmlns:r="http://schemas.openxmlformats.org/officeDocument/2006/relationships" xmlns:p="http://schemas.openxmlformats.org/presentationml/2006/main">
+  <p:cSld>
+    <p:spTree>
+      <p:nvGrpSpPr>
+        <p:cNvPr id="1" name=""/>
+        <p:cNvGrpSpPr/>
+        <p:nvPr/>
+      </p:nvGrpSpPr>
+      <p:grpSpPr>
+        <a:xfrm>
+          <a:off x="0" y="0"/>
+          <a:ext cx="0" cy="0"/>
+          <a:chOff x="0" y="0"/>
+          <a:chExt cx="0" cy="0"/>
+        </a:xfrm>
+      </p:grpSpPr>
+      <p:pic>
+        <p:nvPicPr>
           <p:cNvPr id="9" name="Picture 8" descr="A picture containing chart&#10;&#10;Description automatically generated">
             <a:extLst>
               <a:ext uri="{FF2B5EF4-FFF2-40B4-BE49-F238E27FC236}">
@@ -4608,7 +5284,7 @@
         </p:blipFill>
         <p:spPr>
           <a:xfrm>
-            <a:off x="9308365" y="347472"/>
+            <a:off x="9308369" y="347472"/>
             <a:ext cx="2617087" cy="2194560"/>
           </a:xfrm>
           <a:prstGeom prst="rect">
@@ -4728,7 +5404,7 @@
         </p:blipFill>
         <p:spPr>
           <a:xfrm>
-            <a:off x="1554480" y="4681728"/>
+            <a:off x="1554484" y="4681728"/>
             <a:ext cx="2575839" cy="2194560"/>
           </a:xfrm>
           <a:prstGeom prst="rect">
@@ -4758,7 +5434,7 @@
         </p:blipFill>
         <p:spPr>
           <a:xfrm>
-            <a:off x="1554480" y="2514600"/>
+            <a:off x="1554484" y="2514600"/>
             <a:ext cx="2575839" cy="2194560"/>
           </a:xfrm>
           <a:prstGeom prst="rect">
@@ -4788,7 +5464,7 @@
         </p:blipFill>
         <p:spPr>
           <a:xfrm>
-            <a:off x="1554480" y="347472"/>
+            <a:off x="1554484" y="347472"/>
             <a:ext cx="2575839" cy="2194560"/>
           </a:xfrm>
           <a:prstGeom prst="rect">
@@ -4818,7 +5494,7 @@
         </p:blipFill>
         <p:spPr>
           <a:xfrm>
-            <a:off x="6726437" y="2514600"/>
+            <a:off x="6726441" y="2514600"/>
             <a:ext cx="2414447" cy="2194560"/>
           </a:xfrm>
           <a:prstGeom prst="rect">
@@ -4848,7 +5524,7 @@
         </p:blipFill>
         <p:spPr>
           <a:xfrm>
-            <a:off x="6726437" y="4681728"/>
+            <a:off x="6726441" y="4681728"/>
             <a:ext cx="2414447" cy="2194560"/>
           </a:xfrm>
           <a:prstGeom prst="rect">
@@ -4878,7 +5554,7 @@
         </p:blipFill>
         <p:spPr>
           <a:xfrm>
-            <a:off x="6727331" y="347472"/>
+            <a:off x="6727335" y="347472"/>
             <a:ext cx="2414447" cy="2194560"/>
           </a:xfrm>
           <a:prstGeom prst="rect">
@@ -4908,7 +5584,7 @@
         </p:blipFill>
         <p:spPr>
           <a:xfrm>
-            <a:off x="9314287" y="2514600"/>
+            <a:off x="9314291" y="2514600"/>
             <a:ext cx="2617087" cy="2194560"/>
           </a:xfrm>
           <a:prstGeom prst="rect">
@@ -4938,7 +5614,7 @@
         </p:blipFill>
         <p:spPr>
           <a:xfrm>
-            <a:off x="9305921" y="4681728"/>
+            <a:off x="9305925" y="4681728"/>
             <a:ext cx="2617087" cy="2194560"/>
           </a:xfrm>
           <a:prstGeom prst="rect">
@@ -4946,8 +5622,8 @@
           </a:prstGeom>
         </p:spPr>
       </p:pic>
-      <mc:AlternateContent xmlns:mc="http://schemas.openxmlformats.org/markup-compatibility/2006" xmlns:a14="http://schemas.microsoft.com/office/drawing/2010/main">
-        <mc:Choice Requires="a14">
+      <mc:AlternateContent xmlns:mc="http://schemas.openxmlformats.org/markup-compatibility/2006">
+        <mc:Choice xmlns:a14="http://schemas.microsoft.com/office/drawing/2010/main" Requires="a14">
           <p:sp>
             <p:nvSpPr>
               <p:cNvPr id="29" name="TextBox 28">
@@ -4962,7 +5638,7 @@
             </p:nvSpPr>
             <p:spPr>
               <a:xfrm>
-                <a:off x="2247235" y="-46300"/>
+                <a:off x="2247235" y="-960700"/>
                 <a:ext cx="11372850" cy="450380"/>
               </a:xfrm>
               <a:prstGeom prst="rect">
@@ -5068,7 +5744,7 @@
                       </m:e>
                     </m:d>
                     <m:r>
-                      <a:rPr lang="en-US" sz="2000" b="1" i="1" dirty="0" smtClean="0">
+                      <a:rPr lang="en-US" sz="2000" b="1" i="1" dirty="0">
                         <a:latin typeface="Cambria Math" panose="02040503050406030204" pitchFamily="18" charset="0"/>
                       </a:rPr>
                       <m:t>)</m:t>
@@ -5084,14 +5760,14 @@
                     <m:sSub>
                       <m:sSubPr>
                         <m:ctrlPr>
-                          <a:rPr lang="en-US" sz="2000" b="1" i="1" dirty="0" smtClean="0">
+                          <a:rPr lang="en-US" sz="2000" b="1" i="1" dirty="0">
                             <a:latin typeface="Cambria Math" panose="02040503050406030204" pitchFamily="18" charset="0"/>
                           </a:rPr>
                         </m:ctrlPr>
                       </m:sSubPr>
                       <m:e>
                         <m:r>
-                          <a:rPr lang="en-US" sz="2000" b="1" i="0" dirty="0" smtClean="0">
+                          <a:rPr lang="en-US" sz="2000" b="1" dirty="0">
                             <a:latin typeface="Cambria Math" panose="02040503050406030204" pitchFamily="18" charset="0"/>
                           </a:rPr>
                           <m:t>𝐟</m:t>
@@ -5099,7 +5775,7 @@
                       </m:e>
                       <m:sub>
                         <m:r>
-                          <a:rPr lang="en-US" sz="2000" b="1" i="0" dirty="0" smtClean="0">
+                          <a:rPr lang="en-US" sz="2000" b="1" dirty="0">
                             <a:latin typeface="Cambria Math" panose="02040503050406030204" pitchFamily="18" charset="0"/>
                           </a:rPr>
                           <m:t>𝐞</m:t>
@@ -5109,7 +5785,7 @@
                     <m:d>
                       <m:dPr>
                         <m:ctrlPr>
-                          <a:rPr lang="en-US" sz="2000" b="1" i="1" dirty="0" smtClean="0">
+                          <a:rPr lang="en-US" sz="2000" b="1" i="1" dirty="0">
                             <a:latin typeface="Cambria Math" panose="02040503050406030204" pitchFamily="18" charset="0"/>
                           </a:rPr>
                         </m:ctrlPr>
@@ -5118,14 +5794,14 @@
                         <m:sSub>
                           <m:sSubPr>
                             <m:ctrlPr>
-                              <a:rPr lang="en-US" sz="2000" b="1" i="1" dirty="0" smtClean="0">
+                              <a:rPr lang="en-US" sz="2000" b="1" i="1" dirty="0">
                                 <a:latin typeface="Cambria Math" panose="02040503050406030204" pitchFamily="18" charset="0"/>
                               </a:rPr>
                             </m:ctrlPr>
                           </m:sSubPr>
                           <m:e>
                             <m:r>
-                              <a:rPr lang="en-US" sz="2000" b="1" i="1" dirty="0" smtClean="0">
+                              <a:rPr lang="en-US" sz="2000" b="1" i="1" dirty="0">
                                 <a:latin typeface="Cambria Math" panose="02040503050406030204" pitchFamily="18" charset="0"/>
                               </a:rPr>
                               <m:t>𝒗</m:t>
@@ -5133,7 +5809,7 @@
                           </m:e>
                           <m:sub>
                             <m:r>
-                              <a:rPr lang="en-US" sz="2000" b="1" i="1" dirty="0" err="1" smtClean="0">
+                              <a:rPr lang="en-US" sz="2000" b="1" i="1" dirty="0" err="1">
                                 <a:latin typeface="Cambria Math" panose="02040503050406030204" pitchFamily="18" charset="0"/>
                               </a:rPr>
                               <m:t>𝒛</m:t>
@@ -5141,7 +5817,7 @@
                           </m:sub>
                         </m:sSub>
                         <m:r>
-                          <a:rPr lang="en-US" sz="2000" b="1" i="1" dirty="0" err="1" smtClean="0">
+                          <a:rPr lang="en-US" sz="2000" b="1" i="1" dirty="0" err="1">
                             <a:latin typeface="Cambria Math" panose="02040503050406030204" pitchFamily="18" charset="0"/>
                           </a:rPr>
                           <m:t>,</m:t>
@@ -5149,14 +5825,14 @@
                         <m:sSub>
                           <m:sSubPr>
                             <m:ctrlPr>
-                              <a:rPr lang="en-US" sz="2000" b="1" i="1" dirty="0" err="1" smtClean="0">
+                              <a:rPr lang="en-US" sz="2000" b="1" i="1" dirty="0" err="1">
                                 <a:latin typeface="Cambria Math" panose="02040503050406030204" pitchFamily="18" charset="0"/>
                               </a:rPr>
                             </m:ctrlPr>
                           </m:sSubPr>
                           <m:e>
                             <m:r>
-                              <a:rPr lang="en-US" sz="2000" b="1" i="1" dirty="0" err="1" smtClean="0">
+                              <a:rPr lang="en-US" sz="2000" b="1" i="1" dirty="0" err="1">
                                 <a:latin typeface="Cambria Math" panose="02040503050406030204" pitchFamily="18" charset="0"/>
                               </a:rPr>
                               <m:t>𝒗</m:t>
@@ -5164,7 +5840,7 @@
                           </m:e>
                           <m:sub>
                             <m:r>
-                              <a:rPr lang="en-US" sz="2000" b="1" i="1" dirty="0" smtClean="0">
+                              <a:rPr lang="en-US" sz="2000" b="1" i="1" dirty="0">
                                 <a:latin typeface="Cambria Math" panose="02040503050406030204" pitchFamily="18" charset="0"/>
                               </a:rPr>
                               <m:t>𝒚</m:t>
@@ -5187,14 +5863,14 @@
                     <m:sSub>
                       <m:sSubPr>
                         <m:ctrlPr>
-                          <a:rPr lang="en-US" sz="2000" b="1" i="1" dirty="0" smtClean="0">
+                          <a:rPr lang="en-US" sz="2000" b="1" i="1" dirty="0">
                             <a:latin typeface="Cambria Math" panose="02040503050406030204" pitchFamily="18" charset="0"/>
                           </a:rPr>
                         </m:ctrlPr>
                       </m:sSubPr>
                       <m:e>
                         <m:r>
-                          <a:rPr lang="en-US" sz="2000" b="1" i="0" dirty="0" smtClean="0">
+                          <a:rPr lang="en-US" sz="2000" b="1" dirty="0">
                             <a:latin typeface="Cambria Math" panose="02040503050406030204" pitchFamily="18" charset="0"/>
                           </a:rPr>
                           <m:t>𝐟</m:t>
@@ -5202,7 +5878,7 @@
                       </m:e>
                       <m:sub>
                         <m:r>
-                          <a:rPr lang="en-US" sz="2000" b="1" i="0" dirty="0" smtClean="0">
+                          <a:rPr lang="en-US" sz="2000" b="1" dirty="0">
                             <a:latin typeface="Cambria Math" panose="02040503050406030204" pitchFamily="18" charset="0"/>
                           </a:rPr>
                           <m:t>𝐞</m:t>
@@ -5219,7 +5895,7 @@
                       </m:dPr>
                       <m:e>
                         <m:r>
-                          <a:rPr lang="en-US" sz="2000" b="1" i="1" dirty="0" smtClean="0">
+                          <a:rPr lang="en-US" sz="2000" b="1" i="1" dirty="0">
                             <a:latin typeface="Cambria Math" panose="02040503050406030204" pitchFamily="18" charset="0"/>
                           </a:rPr>
                           <m:t>𝒛</m:t>
@@ -5248,7 +5924,7 @@
                           </m:e>
                           <m:sub>
                             <m:r>
-                              <a:rPr lang="en-US" sz="2000" b="1" i="1" dirty="0" smtClean="0">
+                              <a:rPr lang="en-US" sz="2000" b="1" i="1" dirty="0">
                                 <a:latin typeface="Cambria Math" panose="02040503050406030204" pitchFamily="18" charset="0"/>
                               </a:rPr>
                               <m:t>𝒛</m:t>
@@ -5269,42 +5945,42 @@
                 <a14:m>
                   <m:oMath xmlns:m="http://schemas.openxmlformats.org/officeDocument/2006/math">
                     <m:r>
-                      <a:rPr lang="en-US" sz="2000" b="1" i="1" dirty="0" smtClean="0">
+                      <a:rPr lang="en-US" sz="2000" b="1" i="1" dirty="0">
                         <a:latin typeface="Cambria Math" panose="02040503050406030204" pitchFamily="18" charset="0"/>
                         <a:cs typeface="Times New Roman" panose="02020603050405020304" pitchFamily="18" charset="0"/>
                       </a:rPr>
                       <m:t>𝝋</m:t>
                     </m:r>
                     <m:r>
-                      <a:rPr lang="en-US" sz="2000" b="1" i="1" dirty="0" smtClean="0">
+                      <a:rPr lang="en-US" sz="2000" b="1" i="1" dirty="0">
                         <a:latin typeface="Cambria Math" panose="02040503050406030204" pitchFamily="18" charset="0"/>
                         <a:cs typeface="Times New Roman" panose="02020603050405020304" pitchFamily="18" charset="0"/>
                       </a:rPr>
                       <m:t>(</m:t>
                     </m:r>
                     <m:r>
-                      <a:rPr lang="en-US" sz="2000" b="1" i="1" dirty="0" smtClean="0">
+                      <a:rPr lang="en-US" sz="2000" b="1" i="1" dirty="0">
                         <a:latin typeface="Cambria Math" panose="02040503050406030204" pitchFamily="18" charset="0"/>
                         <a:cs typeface="Times New Roman" panose="02020603050405020304" pitchFamily="18" charset="0"/>
                       </a:rPr>
                       <m:t>𝒛</m:t>
                     </m:r>
                     <m:r>
-                      <a:rPr lang="en-US" sz="2000" b="1" i="1" dirty="0" smtClean="0">
+                      <a:rPr lang="en-US" sz="2000" b="1" i="1" dirty="0">
                         <a:latin typeface="Cambria Math" panose="02040503050406030204" pitchFamily="18" charset="0"/>
                         <a:cs typeface="Times New Roman" panose="02020603050405020304" pitchFamily="18" charset="0"/>
                       </a:rPr>
                       <m:t>,</m:t>
                     </m:r>
                     <m:r>
-                      <a:rPr lang="en-US" sz="2000" b="1" i="1" dirty="0" smtClean="0">
+                      <a:rPr lang="en-US" sz="2000" b="1" i="1" dirty="0">
                         <a:latin typeface="Cambria Math" panose="02040503050406030204" pitchFamily="18" charset="0"/>
                         <a:cs typeface="Times New Roman" panose="02020603050405020304" pitchFamily="18" charset="0"/>
                       </a:rPr>
                       <m:t>𝒚</m:t>
                     </m:r>
                     <m:r>
-                      <a:rPr lang="en-US" sz="2000" b="1" i="1" dirty="0" smtClean="0">
+                      <a:rPr lang="en-US" sz="2000" b="1" i="1" dirty="0">
                         <a:latin typeface="Cambria Math" panose="02040503050406030204" pitchFamily="18" charset="0"/>
                         <a:cs typeface="Times New Roman" panose="02020603050405020304" pitchFamily="18" charset="0"/>
                       </a:rPr>
@@ -5323,7 +5999,7 @@
             </p:txBody>
           </p:sp>
         </mc:Choice>
-        <mc:Fallback xmlns="">
+        <mc:Fallback>
           <p:sp>
             <p:nvSpPr>
               <p:cNvPr id="29" name="TextBox 28">
@@ -5340,7 +6016,7 @@
             </p:nvSpPr>
             <p:spPr>
               <a:xfrm>
-                <a:off x="2247235" y="-46300"/>
+                <a:off x="2247235" y="-960700"/>
                 <a:ext cx="11372850" cy="450380"/>
               </a:xfrm>
               <a:prstGeom prst="rect">
@@ -5368,8 +6044,8 @@
           </p:sp>
         </mc:Fallback>
       </mc:AlternateContent>
-      <mc:AlternateContent xmlns:mc="http://schemas.openxmlformats.org/markup-compatibility/2006" xmlns:a14="http://schemas.microsoft.com/office/drawing/2010/main">
-        <mc:Choice Requires="a14">
+      <mc:AlternateContent xmlns:mc="http://schemas.openxmlformats.org/markup-compatibility/2006">
+        <mc:Choice xmlns:a14="http://schemas.microsoft.com/office/drawing/2010/main" Requires="a14">
           <p:sp>
             <p:nvSpPr>
               <p:cNvPr id="30" name="TextBox 29">
@@ -5408,7 +6084,7 @@
                       <m:sSub>
                         <m:sSubPr>
                           <m:ctrlPr>
-                            <a:rPr lang="en-US" sz="2007" b="1" i="1" dirty="0" smtClean="0">
+                            <a:rPr lang="en-US" sz="2007" b="1" i="1" dirty="0">
                               <a:latin typeface="Cambria Math" panose="02040503050406030204" pitchFamily="18" charset="0"/>
                               <a:cs typeface="Times New Roman" panose="02020603050405020304" pitchFamily="18" charset="0"/>
                             </a:rPr>
@@ -5472,7 +6148,7 @@
             </p:txBody>
           </p:sp>
         </mc:Choice>
-        <mc:Fallback xmlns="">
+        <mc:Fallback>
           <p:sp>
             <p:nvSpPr>
               <p:cNvPr id="30" name="TextBox 29">
@@ -5517,8 +6193,8 @@
           </p:sp>
         </mc:Fallback>
       </mc:AlternateContent>
-      <mc:AlternateContent xmlns:mc="http://schemas.openxmlformats.org/markup-compatibility/2006" xmlns:a14="http://schemas.microsoft.com/office/drawing/2010/main">
-        <mc:Choice Requires="a14">
+      <mc:AlternateContent xmlns:mc="http://schemas.openxmlformats.org/markup-compatibility/2006">
+        <mc:Choice xmlns:a14="http://schemas.microsoft.com/office/drawing/2010/main" Requires="a14">
           <p:sp>
             <p:nvSpPr>
               <p:cNvPr id="31" name="TextBox 30">
@@ -5621,7 +6297,7 @@
             </p:txBody>
           </p:sp>
         </mc:Choice>
-        <mc:Fallback xmlns="">
+        <mc:Fallback>
           <p:sp>
             <p:nvSpPr>
               <p:cNvPr id="31" name="TextBox 30">
@@ -5666,8 +6342,8 @@
           </p:sp>
         </mc:Fallback>
       </mc:AlternateContent>
-      <mc:AlternateContent xmlns:mc="http://schemas.openxmlformats.org/markup-compatibility/2006" xmlns:a14="http://schemas.microsoft.com/office/drawing/2010/main">
-        <mc:Choice Requires="a14">
+      <mc:AlternateContent xmlns:mc="http://schemas.openxmlformats.org/markup-compatibility/2006">
+        <mc:Choice xmlns:a14="http://schemas.microsoft.com/office/drawing/2010/main" Requires="a14">
           <p:sp>
             <p:nvSpPr>
               <p:cNvPr id="32" name="TextBox 31">
@@ -5770,7 +6446,7 @@
             </p:txBody>
           </p:sp>
         </mc:Choice>
-        <mc:Fallback xmlns="">
+        <mc:Fallback>
           <p:sp>
             <p:nvSpPr>
               <p:cNvPr id="32" name="TextBox 31">
@@ -5831,7 +6507,7 @@
 <file path=ppt/theme/theme1.xml><?xml version="1.0" encoding="utf-8"?>
 <a:theme xmlns:a="http://schemas.openxmlformats.org/drawingml/2006/main" name="Office Theme">
   <a:themeElements>
-    <a:clrScheme name="Office">
+    <a:clrScheme name="Office Theme">
       <a:dk1>
         <a:sysClr val="windowText" lastClr="000000"/>
       </a:dk1>
@@ -5869,7 +6545,7 @@
         <a:srgbClr val="954F72"/>
       </a:folHlink>
     </a:clrScheme>
-    <a:fontScheme name="Office">
+    <a:fontScheme name="Office Theme">
       <a:majorFont>
         <a:latin typeface="Calibri Light" panose="020F0302020204030204"/>
         <a:ea typeface=""/>
@@ -5904,23 +6580,6 @@
         <a:font script="Viet" typeface="Times New Roman"/>
         <a:font script="Uigh" typeface="Microsoft Uighur"/>
         <a:font script="Geor" typeface="Sylfaen"/>
-        <a:font script="Armn" typeface="Arial"/>
-        <a:font script="Bugi" typeface="Leelawadee UI"/>
-        <a:font script="Bopo" typeface="Microsoft JhengHei"/>
-        <a:font script="Java" typeface="Javanese Text"/>
-        <a:font script="Lisu" typeface="Segoe UI"/>
-        <a:font script="Mymr" typeface="Myanmar Text"/>
-        <a:font script="Nkoo" typeface="Ebrima"/>
-        <a:font script="Olck" typeface="Nirmala UI"/>
-        <a:font script="Osma" typeface="Ebrima"/>
-        <a:font script="Phag" typeface="Phagspa"/>
-        <a:font script="Syrn" typeface="Estrangelo Edessa"/>
-        <a:font script="Syrj" typeface="Estrangelo Edessa"/>
-        <a:font script="Syre" typeface="Estrangelo Edessa"/>
-        <a:font script="Sora" typeface="Nirmala UI"/>
-        <a:font script="Tale" typeface="Microsoft Tai Le"/>
-        <a:font script="Talu" typeface="Microsoft New Tai Lue"/>
-        <a:font script="Tfng" typeface="Ebrima"/>
       </a:majorFont>
       <a:minorFont>
         <a:latin typeface="Calibri" panose="020F0502020204030204"/>
@@ -5956,26 +6615,9 @@
         <a:font script="Viet" typeface="Arial"/>
         <a:font script="Uigh" typeface="Microsoft Uighur"/>
         <a:font script="Geor" typeface="Sylfaen"/>
-        <a:font script="Armn" typeface="Arial"/>
-        <a:font script="Bugi" typeface="Leelawadee UI"/>
-        <a:font script="Bopo" typeface="Microsoft JhengHei"/>
-        <a:font script="Java" typeface="Javanese Text"/>
-        <a:font script="Lisu" typeface="Segoe UI"/>
-        <a:font script="Mymr" typeface="Myanmar Text"/>
-        <a:font script="Nkoo" typeface="Ebrima"/>
-        <a:font script="Olck" typeface="Nirmala UI"/>
-        <a:font script="Osma" typeface="Ebrima"/>
-        <a:font script="Phag" typeface="Phagspa"/>
-        <a:font script="Syrn" typeface="Estrangelo Edessa"/>
-        <a:font script="Syrj" typeface="Estrangelo Edessa"/>
-        <a:font script="Syre" typeface="Estrangelo Edessa"/>
-        <a:font script="Sora" typeface="Nirmala UI"/>
-        <a:font script="Tale" typeface="Microsoft Tai Le"/>
-        <a:font script="Talu" typeface="Microsoft New Tai Lue"/>
-        <a:font script="Tfng" typeface="Ebrima"/>
       </a:minorFont>
     </a:fontScheme>
-    <a:fmtScheme name="Office">
+    <a:fmtScheme name="Office Theme">
       <a:fillStyleLst>
         <a:solidFill>
           <a:schemeClr val="phClr"/>
@@ -6117,7 +6759,7 @@
   <a:extraClrSchemeLst/>
   <a:extLst>
     <a:ext uri="{05A4C25C-085E-4340-85A3-A5531E510DB2}">
-      <thm15:themeFamily xmlns:thm15="http://schemas.microsoft.com/office/thememl/2012/main" name="Office Theme" id="{62F939B6-93AF-4DB8-9C6B-D6C7DFDC589F}" vid="{4A3C46E8-61CC-4603-A589-7422A47A8E4A}"/>
+      <thm15:themeFamily xmlns:thm15="http://schemas.microsoft.com/office/thememl/2012/main" name="Office Theme 2013 - 2022" id="{62F939B6-93AF-4DB8-9C6B-D6C7DFDC589F}" vid="{4A3C46E8-61CC-4603-A589-7422A47A8E4A}"/>
     </a:ext>
   </a:extLst>
 </a:theme>
